--- a/Documents/Energy Price Prediction.pptx
+++ b/Documents/Energy Price Prediction.pptx
@@ -1811,7 +1811,7 @@
   <p:cSld>
     <p:spTree>
       <p:nvGrpSpPr>
-        <p:cNvPr id="177" name="Shape 177"/>
+        <p:cNvPr id="178" name="Shape 178"/>
         <p:cNvGrpSpPr/>
         <p:nvPr/>
       </p:nvGrpSpPr>
@@ -1825,7 +1825,7 @@
       </p:grpSpPr>
       <p:sp>
         <p:nvSpPr>
-          <p:cNvPr id="178" name="Google Shape;178;g1a4fa038c8f_1_51:notes"/>
+          <p:cNvPr id="179" name="Google Shape;179;g1a4fa038c8f_1_51:notes"/>
           <p:cNvSpPr txBox="1"/>
           <p:nvPr>
             <p:ph idx="1" type="body"/>
@@ -1893,7 +1893,7 @@
       </p:sp>
       <p:sp>
         <p:nvSpPr>
-          <p:cNvPr id="179" name="Google Shape;179;g1a4fa038c8f_1_51:notes"/>
+          <p:cNvPr id="180" name="Google Shape;180;g1a4fa038c8f_1_51:notes"/>
           <p:cNvSpPr/>
           <p:nvPr>
             <p:ph idx="2" type="sldImg"/>
@@ -1949,7 +1949,7 @@
   <p:cSld>
     <p:spTree>
       <p:nvGrpSpPr>
-        <p:cNvPr id="191" name="Shape 191"/>
+        <p:cNvPr id="192" name="Shape 192"/>
         <p:cNvGrpSpPr/>
         <p:nvPr/>
       </p:nvGrpSpPr>
@@ -1963,7 +1963,7 @@
       </p:grpSpPr>
       <p:sp>
         <p:nvSpPr>
-          <p:cNvPr id="192" name="Google Shape;192;g1a4fa038c8f_1_18:notes"/>
+          <p:cNvPr id="193" name="Google Shape;193;g1a4fa038c8f_1_18:notes"/>
           <p:cNvSpPr txBox="1"/>
           <p:nvPr>
             <p:ph idx="1" type="body"/>
@@ -2090,7 +2090,7 @@
       </p:sp>
       <p:sp>
         <p:nvSpPr>
-          <p:cNvPr id="193" name="Google Shape;193;g1a4fa038c8f_1_18:notes"/>
+          <p:cNvPr id="194" name="Google Shape;194;g1a4fa038c8f_1_18:notes"/>
           <p:cNvSpPr/>
           <p:nvPr>
             <p:ph idx="2" type="sldImg"/>
@@ -2146,7 +2146,7 @@
   <p:cSld>
     <p:spTree>
       <p:nvGrpSpPr>
-        <p:cNvPr id="202" name="Shape 202"/>
+        <p:cNvPr id="203" name="Shape 203"/>
         <p:cNvGrpSpPr/>
         <p:nvPr/>
       </p:nvGrpSpPr>
@@ -2160,7 +2160,7 @@
       </p:grpSpPr>
       <p:sp>
         <p:nvSpPr>
-          <p:cNvPr id="203" name="Google Shape;203;g1a4fa038c8f_1_108:notes"/>
+          <p:cNvPr id="204" name="Google Shape;204;g1a4fa038c8f_1_108:notes"/>
           <p:cNvSpPr txBox="1"/>
           <p:nvPr>
             <p:ph idx="1" type="body"/>
@@ -2379,7 +2379,7 @@
       </p:sp>
       <p:sp>
         <p:nvSpPr>
-          <p:cNvPr id="204" name="Google Shape;204;g1a4fa038c8f_1_108:notes"/>
+          <p:cNvPr id="205" name="Google Shape;205;g1a4fa038c8f_1_108:notes"/>
           <p:cNvSpPr/>
           <p:nvPr>
             <p:ph idx="2" type="sldImg"/>
@@ -2435,7 +2435,7 @@
   <p:cSld>
     <p:spTree>
       <p:nvGrpSpPr>
-        <p:cNvPr id="214" name="Shape 214"/>
+        <p:cNvPr id="215" name="Shape 215"/>
         <p:cNvGrpSpPr/>
         <p:nvPr/>
       </p:nvGrpSpPr>
@@ -2449,7 +2449,7 @@
       </p:grpSpPr>
       <p:sp>
         <p:nvSpPr>
-          <p:cNvPr id="215" name="Google Shape;215;g1a4fa038c8f_1_162:notes"/>
+          <p:cNvPr id="216" name="Google Shape;216;g1a4fa038c8f_1_162:notes"/>
           <p:cNvSpPr txBox="1"/>
           <p:nvPr>
             <p:ph idx="1" type="body"/>
@@ -2497,7 +2497,7 @@
       </p:sp>
       <p:sp>
         <p:nvSpPr>
-          <p:cNvPr id="216" name="Google Shape;216;g1a4fa038c8f_1_162:notes"/>
+          <p:cNvPr id="217" name="Google Shape;217;g1a4fa038c8f_1_162:notes"/>
           <p:cNvSpPr/>
           <p:nvPr>
             <p:ph idx="2" type="sldImg"/>
@@ -2553,7 +2553,7 @@
   <p:cSld>
     <p:spTree>
       <p:nvGrpSpPr>
-        <p:cNvPr id="230" name="Shape 230"/>
+        <p:cNvPr id="231" name="Shape 231"/>
         <p:cNvGrpSpPr/>
         <p:nvPr/>
       </p:nvGrpSpPr>
@@ -2567,7 +2567,7 @@
       </p:grpSpPr>
       <p:sp>
         <p:nvSpPr>
-          <p:cNvPr id="231" name="Google Shape;231;g1a4fa038c8f_1_152:notes"/>
+          <p:cNvPr id="232" name="Google Shape;232;g1a4fa038c8f_1_152:notes"/>
           <p:cNvSpPr txBox="1"/>
           <p:nvPr>
             <p:ph idx="1" type="body"/>
@@ -2635,7 +2635,7 @@
       </p:sp>
       <p:sp>
         <p:nvSpPr>
-          <p:cNvPr id="232" name="Google Shape;232;g1a4fa038c8f_1_152:notes"/>
+          <p:cNvPr id="233" name="Google Shape;233;g1a4fa038c8f_1_152:notes"/>
           <p:cNvSpPr/>
           <p:nvPr>
             <p:ph idx="2" type="sldImg"/>
@@ -2691,7 +2691,7 @@
   <p:cSld>
     <p:spTree>
       <p:nvGrpSpPr>
-        <p:cNvPr id="241" name="Shape 241"/>
+        <p:cNvPr id="242" name="Shape 242"/>
         <p:cNvGrpSpPr/>
         <p:nvPr/>
       </p:nvGrpSpPr>
@@ -2705,7 +2705,7 @@
       </p:grpSpPr>
       <p:sp>
         <p:nvSpPr>
-          <p:cNvPr id="242" name="Google Shape;242;g1a4fa038c8f_1_118:notes"/>
+          <p:cNvPr id="243" name="Google Shape;243;g1a4fa038c8f_1_118:notes"/>
           <p:cNvSpPr txBox="1"/>
           <p:nvPr>
             <p:ph idx="1" type="body"/>
@@ -2753,7 +2753,7 @@
       </p:sp>
       <p:sp>
         <p:nvSpPr>
-          <p:cNvPr id="243" name="Google Shape;243;g1a4fa038c8f_1_118:notes"/>
+          <p:cNvPr id="244" name="Google Shape;244;g1a4fa038c8f_1_118:notes"/>
           <p:cNvSpPr/>
           <p:nvPr>
             <p:ph idx="2" type="sldImg"/>
@@ -2809,7 +2809,7 @@
   <p:cSld>
     <p:spTree>
       <p:nvGrpSpPr>
-        <p:cNvPr id="255" name="Shape 255"/>
+        <p:cNvPr id="256" name="Shape 256"/>
         <p:cNvGrpSpPr/>
         <p:nvPr/>
       </p:nvGrpSpPr>
@@ -2823,7 +2823,7 @@
       </p:grpSpPr>
       <p:sp>
         <p:nvSpPr>
-          <p:cNvPr id="256" name="Google Shape;256;g1a4fa038c8f_1_31:notes"/>
+          <p:cNvPr id="257" name="Google Shape;257;g1a4fa038c8f_1_31:notes"/>
           <p:cNvSpPr txBox="1"/>
           <p:nvPr>
             <p:ph idx="1" type="body"/>
@@ -2895,7 +2895,7 @@
       </p:sp>
       <p:sp>
         <p:nvSpPr>
-          <p:cNvPr id="257" name="Google Shape;257;g1a4fa038c8f_1_31:notes"/>
+          <p:cNvPr id="258" name="Google Shape;258;g1a4fa038c8f_1_31:notes"/>
           <p:cNvSpPr/>
           <p:nvPr>
             <p:ph idx="2" type="sldImg"/>
@@ -2951,7 +2951,7 @@
   <p:cSld>
     <p:spTree>
       <p:nvGrpSpPr>
-        <p:cNvPr id="272" name="Shape 272"/>
+        <p:cNvPr id="273" name="Shape 273"/>
         <p:cNvGrpSpPr/>
         <p:nvPr/>
       </p:nvGrpSpPr>
@@ -2965,7 +2965,7 @@
       </p:grpSpPr>
       <p:sp>
         <p:nvSpPr>
-          <p:cNvPr id="273" name="Google Shape;273;g1a4fa038c8f_1_41:notes"/>
+          <p:cNvPr id="274" name="Google Shape;274;g1a4fa038c8f_1_41:notes"/>
           <p:cNvSpPr txBox="1"/>
           <p:nvPr>
             <p:ph idx="1" type="body"/>
@@ -3013,7 +3013,7 @@
       </p:sp>
       <p:sp>
         <p:nvSpPr>
-          <p:cNvPr id="274" name="Google Shape;274;g1a4fa038c8f_1_41:notes"/>
+          <p:cNvPr id="275" name="Google Shape;275;g1a4fa038c8f_1_41:notes"/>
           <p:cNvSpPr/>
           <p:nvPr>
             <p:ph idx="2" type="sldImg"/>
@@ -3069,7 +3069,7 @@
   <p:cSld>
     <p:spTree>
       <p:nvGrpSpPr>
-        <p:cNvPr id="284" name="Shape 284"/>
+        <p:cNvPr id="285" name="Shape 285"/>
         <p:cNvGrpSpPr/>
         <p:nvPr/>
       </p:nvGrpSpPr>
@@ -3083,7 +3083,7 @@
       </p:grpSpPr>
       <p:sp>
         <p:nvSpPr>
-          <p:cNvPr id="285" name="Google Shape;285;g1a4fa038c8f_0_20:notes"/>
+          <p:cNvPr id="286" name="Google Shape;286;g1a4fa038c8f_0_20:notes"/>
           <p:cNvSpPr txBox="1"/>
           <p:nvPr>
             <p:ph idx="1" type="body"/>
@@ -3122,7 +3122,7 @@
       </p:sp>
       <p:sp>
         <p:nvSpPr>
-          <p:cNvPr id="286" name="Google Shape;286;g1a4fa038c8f_0_20:notes"/>
+          <p:cNvPr id="287" name="Google Shape;287;g1a4fa038c8f_0_20:notes"/>
           <p:cNvSpPr/>
           <p:nvPr>
             <p:ph idx="2" type="sldImg"/>
@@ -3168,7 +3168,7 @@
   <p:cSld>
     <p:spTree>
       <p:nvGrpSpPr>
-        <p:cNvPr id="295" name="Shape 295"/>
+        <p:cNvPr id="296" name="Shape 296"/>
         <p:cNvGrpSpPr/>
         <p:nvPr/>
       </p:nvGrpSpPr>
@@ -3182,7 +3182,7 @@
       </p:grpSpPr>
       <p:sp>
         <p:nvSpPr>
-          <p:cNvPr id="296" name="Google Shape;296;g1a4fa038c8f_1_71:notes"/>
+          <p:cNvPr id="297" name="Google Shape;297;g1a4fa038c8f_1_71:notes"/>
           <p:cNvSpPr txBox="1"/>
           <p:nvPr>
             <p:ph idx="1" type="body"/>
@@ -3229,7 +3229,7 @@
       </p:sp>
       <p:sp>
         <p:nvSpPr>
-          <p:cNvPr id="297" name="Google Shape;297;g1a4fa038c8f_1_71:notes"/>
+          <p:cNvPr id="298" name="Google Shape;298;g1a4fa038c8f_1_71:notes"/>
           <p:cNvSpPr/>
           <p:nvPr>
             <p:ph idx="2" type="sldImg"/>
@@ -3384,7 +3384,7 @@
   <p:cSld>
     <p:spTree>
       <p:nvGrpSpPr>
-        <p:cNvPr id="307" name="Shape 307"/>
+        <p:cNvPr id="308" name="Shape 308"/>
         <p:cNvGrpSpPr/>
         <p:nvPr/>
       </p:nvGrpSpPr>
@@ -3398,7 +3398,7 @@
       </p:grpSpPr>
       <p:sp>
         <p:nvSpPr>
-          <p:cNvPr id="308" name="Google Shape;308;g1a4fa038c8f_0_66:notes"/>
+          <p:cNvPr id="309" name="Google Shape;309;g1a4fa038c8f_0_66:notes"/>
           <p:cNvSpPr txBox="1"/>
           <p:nvPr>
             <p:ph idx="1" type="body"/>
@@ -3445,7 +3445,7 @@
       </p:sp>
       <p:sp>
         <p:nvSpPr>
-          <p:cNvPr id="309" name="Google Shape;309;g1a4fa038c8f_0_66:notes"/>
+          <p:cNvPr id="310" name="Google Shape;310;g1a4fa038c8f_0_66:notes"/>
           <p:cNvSpPr/>
           <p:nvPr>
             <p:ph idx="2" type="sldImg"/>
@@ -3501,7 +3501,7 @@
   <p:cSld>
     <p:spTree>
       <p:nvGrpSpPr>
-        <p:cNvPr id="319" name="Shape 319"/>
+        <p:cNvPr id="320" name="Shape 320"/>
         <p:cNvGrpSpPr/>
         <p:nvPr/>
       </p:nvGrpSpPr>
@@ -3515,7 +3515,7 @@
       </p:grpSpPr>
       <p:sp>
         <p:nvSpPr>
-          <p:cNvPr id="320" name="Google Shape;320;g1a4fa038c8f_0_77:notes"/>
+          <p:cNvPr id="321" name="Google Shape;321;g1a4fa038c8f_0_77:notes"/>
           <p:cNvSpPr txBox="1"/>
           <p:nvPr>
             <p:ph idx="1" type="body"/>
@@ -3562,7 +3562,7 @@
       </p:sp>
       <p:sp>
         <p:nvSpPr>
-          <p:cNvPr id="321" name="Google Shape;321;g1a4fa038c8f_0_77:notes"/>
+          <p:cNvPr id="322" name="Google Shape;322;g1a4fa038c8f_0_77:notes"/>
           <p:cNvSpPr/>
           <p:nvPr>
             <p:ph idx="2" type="sldImg"/>
@@ -3618,7 +3618,7 @@
   <p:cSld>
     <p:spTree>
       <p:nvGrpSpPr>
-        <p:cNvPr id="331" name="Shape 331"/>
+        <p:cNvPr id="332" name="Shape 332"/>
         <p:cNvGrpSpPr/>
         <p:nvPr/>
       </p:nvGrpSpPr>
@@ -3632,7 +3632,7 @@
       </p:grpSpPr>
       <p:sp>
         <p:nvSpPr>
-          <p:cNvPr id="332" name="Google Shape;332;g1a4fa038c8f_0_10:notes"/>
+          <p:cNvPr id="333" name="Google Shape;333;g1a4fa038c8f_0_10:notes"/>
           <p:cNvSpPr txBox="1"/>
           <p:nvPr>
             <p:ph idx="1" type="body"/>
@@ -3671,7 +3671,7 @@
       </p:sp>
       <p:sp>
         <p:nvSpPr>
-          <p:cNvPr id="333" name="Google Shape;333;g1a4fa038c8f_0_10:notes"/>
+          <p:cNvPr id="334" name="Google Shape;334;g1a4fa038c8f_0_10:notes"/>
           <p:cNvSpPr/>
           <p:nvPr>
             <p:ph idx="2" type="sldImg"/>
@@ -3717,7 +3717,7 @@
   <p:cSld>
     <p:spTree>
       <p:nvGrpSpPr>
-        <p:cNvPr id="342" name="Shape 342"/>
+        <p:cNvPr id="343" name="Shape 343"/>
         <p:cNvGrpSpPr/>
         <p:nvPr/>
       </p:nvGrpSpPr>
@@ -3731,7 +3731,7 @@
       </p:grpSpPr>
       <p:sp>
         <p:nvSpPr>
-          <p:cNvPr id="343" name="Google Shape;343;g1a4fa038c8f_1_61:notes"/>
+          <p:cNvPr id="344" name="Google Shape;344;g1a4fa038c8f_1_61:notes"/>
           <p:cNvSpPr txBox="1"/>
           <p:nvPr>
             <p:ph idx="1" type="body"/>
@@ -3799,7 +3799,7 @@
       </p:sp>
       <p:sp>
         <p:nvSpPr>
-          <p:cNvPr id="344" name="Google Shape;344;g1a4fa038c8f_1_61:notes"/>
+          <p:cNvPr id="345" name="Google Shape;345;g1a4fa038c8f_1_61:notes"/>
           <p:cNvSpPr/>
           <p:nvPr>
             <p:ph idx="2" type="sldImg"/>
@@ -3855,7 +3855,7 @@
   <p:cSld>
     <p:spTree>
       <p:nvGrpSpPr>
-        <p:cNvPr id="353" name="Shape 353"/>
+        <p:cNvPr id="354" name="Shape 354"/>
         <p:cNvGrpSpPr/>
         <p:nvPr/>
       </p:nvGrpSpPr>
@@ -3869,7 +3869,7 @@
       </p:grpSpPr>
       <p:sp>
         <p:nvSpPr>
-          <p:cNvPr id="354" name="Google Shape;354;g1a4fa038c8f_1_178:notes"/>
+          <p:cNvPr id="355" name="Google Shape;355;g1a4fa038c8f_1_178:notes"/>
           <p:cNvSpPr txBox="1"/>
           <p:nvPr>
             <p:ph idx="1" type="body"/>
@@ -4046,7 +4046,7 @@
       </p:sp>
       <p:sp>
         <p:nvSpPr>
-          <p:cNvPr id="355" name="Google Shape;355;g1a4fa038c8f_1_178:notes"/>
+          <p:cNvPr id="356" name="Google Shape;356;g1a4fa038c8f_1_178:notes"/>
           <p:cNvSpPr/>
           <p:nvPr>
             <p:ph idx="2" type="sldImg"/>
@@ -4102,7 +4102,7 @@
   <p:cSld>
     <p:spTree>
       <p:nvGrpSpPr>
-        <p:cNvPr id="368" name="Shape 368"/>
+        <p:cNvPr id="369" name="Shape 369"/>
         <p:cNvGrpSpPr/>
         <p:nvPr/>
       </p:nvGrpSpPr>
@@ -4116,7 +4116,7 @@
       </p:grpSpPr>
       <p:sp>
         <p:nvSpPr>
-          <p:cNvPr id="369" name="Google Shape;369;g1a4fa038c8f_0_89:notes"/>
+          <p:cNvPr id="370" name="Google Shape;370;g1a4fa038c8f_0_89:notes"/>
           <p:cNvSpPr txBox="1"/>
           <p:nvPr>
             <p:ph idx="1" type="body"/>
@@ -4473,7 +4473,7 @@
       </p:sp>
       <p:sp>
         <p:nvSpPr>
-          <p:cNvPr id="370" name="Google Shape;370;g1a4fa038c8f_0_89:notes"/>
+          <p:cNvPr id="371" name="Google Shape;371;g1a4fa038c8f_0_89:notes"/>
           <p:cNvSpPr/>
           <p:nvPr>
             <p:ph idx="2" type="sldImg"/>
@@ -4529,7 +4529,7 @@
   <p:cSld>
     <p:spTree>
       <p:nvGrpSpPr>
-        <p:cNvPr id="384" name="Shape 384"/>
+        <p:cNvPr id="385" name="Shape 385"/>
         <p:cNvGrpSpPr/>
         <p:nvPr/>
       </p:nvGrpSpPr>
@@ -4543,7 +4543,7 @@
       </p:grpSpPr>
       <p:sp>
         <p:nvSpPr>
-          <p:cNvPr id="385" name="Google Shape;385;p37:notes"/>
+          <p:cNvPr id="386" name="Google Shape;386;p37:notes"/>
           <p:cNvSpPr txBox="1"/>
           <p:nvPr>
             <p:ph idx="1" type="body"/>
@@ -4582,7 +4582,7 @@
       </p:sp>
       <p:sp>
         <p:nvSpPr>
-          <p:cNvPr id="386" name="Google Shape;386;p37:notes"/>
+          <p:cNvPr id="387" name="Google Shape;387;p37:notes"/>
           <p:cNvSpPr/>
           <p:nvPr>
             <p:ph idx="2" type="sldImg"/>
@@ -4628,7 +4628,7 @@
   <p:cSld>
     <p:spTree>
       <p:nvGrpSpPr>
-        <p:cNvPr id="395" name="Shape 395"/>
+        <p:cNvPr id="396" name="Shape 396"/>
         <p:cNvGrpSpPr/>
         <p:nvPr/>
       </p:nvGrpSpPr>
@@ -4642,7 +4642,7 @@
       </p:grpSpPr>
       <p:sp>
         <p:nvSpPr>
-          <p:cNvPr id="396" name="Google Shape;396;p38:notes"/>
+          <p:cNvPr id="397" name="Google Shape;397;p38:notes"/>
           <p:cNvSpPr txBox="1"/>
           <p:nvPr>
             <p:ph idx="1" type="body"/>
@@ -4681,7 +4681,7 @@
       </p:sp>
       <p:sp>
         <p:nvSpPr>
-          <p:cNvPr id="397" name="Google Shape;397;p38:notes"/>
+          <p:cNvPr id="398" name="Google Shape;398;p38:notes"/>
           <p:cNvSpPr/>
           <p:nvPr>
             <p:ph idx="2" type="sldImg"/>
@@ -4727,7 +4727,7 @@
   <p:cSld>
     <p:spTree>
       <p:nvGrpSpPr>
-        <p:cNvPr id="97" name="Shape 97"/>
+        <p:cNvPr id="98" name="Shape 98"/>
         <p:cNvGrpSpPr/>
         <p:nvPr/>
       </p:nvGrpSpPr>
@@ -4741,7 +4741,7 @@
       </p:grpSpPr>
       <p:sp>
         <p:nvSpPr>
-          <p:cNvPr id="98" name="Google Shape;98;p27:notes"/>
+          <p:cNvPr id="99" name="Google Shape;99;p27:notes"/>
           <p:cNvSpPr txBox="1"/>
           <p:nvPr>
             <p:ph idx="1" type="body"/>
@@ -4780,7 +4780,7 @@
       </p:sp>
       <p:sp>
         <p:nvSpPr>
-          <p:cNvPr id="99" name="Google Shape;99;p27:notes"/>
+          <p:cNvPr id="100" name="Google Shape;100;p27:notes"/>
           <p:cNvSpPr/>
           <p:nvPr>
             <p:ph idx="2" type="sldImg"/>
@@ -4826,7 +4826,7 @@
   <p:cSld>
     <p:spTree>
       <p:nvGrpSpPr>
-        <p:cNvPr id="108" name="Shape 108"/>
+        <p:cNvPr id="109" name="Shape 109"/>
         <p:cNvGrpSpPr/>
         <p:nvPr/>
       </p:nvGrpSpPr>
@@ -4840,7 +4840,7 @@
       </p:grpSpPr>
       <p:sp>
         <p:nvSpPr>
-          <p:cNvPr id="109" name="Google Shape;109;p28:notes"/>
+          <p:cNvPr id="110" name="Google Shape;110;p28:notes"/>
           <p:cNvSpPr txBox="1"/>
           <p:nvPr>
             <p:ph idx="1" type="body"/>
@@ -4887,7 +4887,7 @@
       </p:sp>
       <p:sp>
         <p:nvSpPr>
-          <p:cNvPr id="110" name="Google Shape;110;p28:notes"/>
+          <p:cNvPr id="111" name="Google Shape;111;p28:notes"/>
           <p:cNvSpPr/>
           <p:nvPr>
             <p:ph idx="2" type="sldImg"/>
@@ -4943,7 +4943,7 @@
   <p:cSld>
     <p:spTree>
       <p:nvGrpSpPr>
-        <p:cNvPr id="121" name="Shape 121"/>
+        <p:cNvPr id="122" name="Shape 122"/>
         <p:cNvGrpSpPr/>
         <p:nvPr/>
       </p:nvGrpSpPr>
@@ -4957,7 +4957,7 @@
       </p:grpSpPr>
       <p:sp>
         <p:nvSpPr>
-          <p:cNvPr id="122" name="Google Shape;122;p29:notes"/>
+          <p:cNvPr id="123" name="Google Shape;123;p29:notes"/>
           <p:cNvSpPr txBox="1"/>
           <p:nvPr>
             <p:ph idx="1" type="body"/>
@@ -4996,7 +4996,7 @@
       </p:sp>
       <p:sp>
         <p:nvSpPr>
-          <p:cNvPr id="123" name="Google Shape;123;p29:notes"/>
+          <p:cNvPr id="124" name="Google Shape;124;p29:notes"/>
           <p:cNvSpPr/>
           <p:nvPr>
             <p:ph idx="2" type="sldImg"/>
@@ -5042,7 +5042,7 @@
   <p:cSld>
     <p:spTree>
       <p:nvGrpSpPr>
-        <p:cNvPr id="132" name="Shape 132"/>
+        <p:cNvPr id="133" name="Shape 133"/>
         <p:cNvGrpSpPr/>
         <p:nvPr/>
       </p:nvGrpSpPr>
@@ -5056,7 +5056,7 @@
       </p:grpSpPr>
       <p:sp>
         <p:nvSpPr>
-          <p:cNvPr id="133" name="Google Shape;133;g1a4fa038c8f_0_42:notes"/>
+          <p:cNvPr id="134" name="Google Shape;134;g1a4fa038c8f_0_42:notes"/>
           <p:cNvSpPr txBox="1"/>
           <p:nvPr>
             <p:ph idx="1" type="body"/>
@@ -5103,7 +5103,7 @@
       </p:sp>
       <p:sp>
         <p:nvSpPr>
-          <p:cNvPr id="134" name="Google Shape;134;g1a4fa038c8f_0_42:notes"/>
+          <p:cNvPr id="135" name="Google Shape;135;g1a4fa038c8f_0_42:notes"/>
           <p:cNvSpPr/>
           <p:nvPr>
             <p:ph idx="2" type="sldImg"/>
@@ -5159,7 +5159,7 @@
   <p:cSld>
     <p:spTree>
       <p:nvGrpSpPr>
-        <p:cNvPr id="143" name="Shape 143"/>
+        <p:cNvPr id="144" name="Shape 144"/>
         <p:cNvGrpSpPr/>
         <p:nvPr/>
       </p:nvGrpSpPr>
@@ -5173,7 +5173,7 @@
       </p:grpSpPr>
       <p:sp>
         <p:nvSpPr>
-          <p:cNvPr id="144" name="Google Shape;144;g1a4fa038c8f_0_54:notes"/>
+          <p:cNvPr id="145" name="Google Shape;145;g1a4fa038c8f_0_54:notes"/>
           <p:cNvSpPr txBox="1"/>
           <p:nvPr>
             <p:ph idx="1" type="body"/>
@@ -5220,7 +5220,7 @@
       </p:sp>
       <p:sp>
         <p:nvSpPr>
-          <p:cNvPr id="145" name="Google Shape;145;g1a4fa038c8f_0_54:notes"/>
+          <p:cNvPr id="146" name="Google Shape;146;g1a4fa038c8f_0_54:notes"/>
           <p:cNvSpPr/>
           <p:nvPr>
             <p:ph idx="2" type="sldImg"/>
@@ -5276,7 +5276,7 @@
   <p:cSld>
     <p:spTree>
       <p:nvGrpSpPr>
-        <p:cNvPr id="154" name="Shape 154"/>
+        <p:cNvPr id="155" name="Shape 155"/>
         <p:cNvGrpSpPr/>
         <p:nvPr/>
       </p:nvGrpSpPr>
@@ -5290,7 +5290,7 @@
       </p:grpSpPr>
       <p:sp>
         <p:nvSpPr>
-          <p:cNvPr id="155" name="Google Shape;155;g1a4fa038c8f_1_92:notes"/>
+          <p:cNvPr id="156" name="Google Shape;156;g1a4fa038c8f_1_92:notes"/>
           <p:cNvSpPr txBox="1"/>
           <p:nvPr>
             <p:ph idx="1" type="body"/>
@@ -5337,7 +5337,7 @@
       </p:sp>
       <p:sp>
         <p:nvSpPr>
-          <p:cNvPr id="156" name="Google Shape;156;g1a4fa038c8f_1_92:notes"/>
+          <p:cNvPr id="157" name="Google Shape;157;g1a4fa038c8f_1_92:notes"/>
           <p:cNvSpPr/>
           <p:nvPr>
             <p:ph idx="2" type="sldImg"/>
@@ -5393,7 +5393,7 @@
   <p:cSld>
     <p:spTree>
       <p:nvGrpSpPr>
-        <p:cNvPr id="166" name="Shape 166"/>
+        <p:cNvPr id="167" name="Shape 167"/>
         <p:cNvGrpSpPr/>
         <p:nvPr/>
       </p:nvGrpSpPr>
@@ -5407,7 +5407,7 @@
       </p:grpSpPr>
       <p:sp>
         <p:nvSpPr>
-          <p:cNvPr id="167" name="Google Shape;167;g1a4fa038c8f_0_30:notes"/>
+          <p:cNvPr id="168" name="Google Shape;168;g1a4fa038c8f_0_30:notes"/>
           <p:cNvSpPr txBox="1"/>
           <p:nvPr>
             <p:ph idx="1" type="body"/>
@@ -5446,7 +5446,7 @@
       </p:sp>
       <p:sp>
         <p:nvSpPr>
-          <p:cNvPr id="168" name="Google Shape;168;g1a4fa038c8f_0_30:notes"/>
+          <p:cNvPr id="169" name="Google Shape;169;g1a4fa038c8f_0_30:notes"/>
           <p:cNvSpPr/>
           <p:nvPr>
             <p:ph idx="2" type="sldImg"/>
@@ -17985,7 +17985,7 @@
   <p:cSld>
     <p:spTree>
       <p:nvGrpSpPr>
-        <p:cNvPr id="180" name="Shape 180"/>
+        <p:cNvPr id="181" name="Shape 181"/>
         <p:cNvGrpSpPr/>
         <p:nvPr/>
       </p:nvGrpSpPr>
@@ -17999,7 +17999,7 @@
       </p:grpSpPr>
       <p:sp>
         <p:nvSpPr>
-          <p:cNvPr id="181" name="Google Shape;181;p21"/>
+          <p:cNvPr id="182" name="Google Shape;182;p21"/>
           <p:cNvSpPr/>
           <p:nvPr/>
         </p:nvSpPr>
@@ -18058,7 +18058,7 @@
       </p:sp>
       <p:sp>
         <p:nvSpPr>
-          <p:cNvPr id="182" name="Google Shape;182;p21"/>
+          <p:cNvPr id="183" name="Google Shape;183;p21"/>
           <p:cNvSpPr txBox="1"/>
           <p:nvPr/>
         </p:nvSpPr>
@@ -18094,6 +18094,14 @@
               <a:buNone/>
             </a:pPr>
             <a:r>
+              <a:rPr lang="en-US" sz="900">
+                <a:solidFill>
+                  <a:schemeClr val="lt1"/>
+                </a:solidFill>
+              </a:rPr>
+              <a:t>Contributor: Noam</a:t>
+            </a:r>
+            <a:r>
               <a:rPr b="0" i="0" lang="en-US" sz="900" u="none" cap="none" strike="noStrike">
                 <a:solidFill>
                   <a:schemeClr val="lt1"/>
@@ -18103,7 +18111,15 @@
                 <a:cs typeface="Arial"/>
                 <a:sym typeface="Arial"/>
               </a:rPr>
-              <a:t>XU YAN, YUNQIAN BAO, ZHICONG FAN</a:t>
+              <a:t> Y</a:t>
+            </a:r>
+            <a:r>
+              <a:rPr lang="en-US" sz="900">
+                <a:solidFill>
+                  <a:schemeClr val="lt1"/>
+                </a:solidFill>
+              </a:rPr>
+              <a:t>an</a:t>
             </a:r>
             <a:endParaRPr/>
           </a:p>
@@ -18111,7 +18127,7 @@
       </p:sp>
       <p:sp>
         <p:nvSpPr>
-          <p:cNvPr id="183" name="Google Shape;183;p21"/>
+          <p:cNvPr id="184" name="Google Shape;184;p21"/>
           <p:cNvSpPr/>
           <p:nvPr/>
         </p:nvSpPr>
@@ -18170,7 +18186,7 @@
       </p:sp>
       <p:pic>
         <p:nvPicPr>
-          <p:cNvPr descr="A close up of a logo&#10;&#10;Description automatically generated" id="184" name="Google Shape;184;p21"/>
+          <p:cNvPr descr="A close up of a logo&#10;&#10;Description automatically generated" id="185" name="Google Shape;185;p21"/>
           <p:cNvPicPr preferRelativeResize="0"/>
           <p:nvPr/>
         </p:nvPicPr>
@@ -18197,7 +18213,7 @@
       </p:pic>
       <p:sp>
         <p:nvSpPr>
-          <p:cNvPr id="185" name="Google Shape;185;p21"/>
+          <p:cNvPr id="186" name="Google Shape;186;p21"/>
           <p:cNvSpPr txBox="1"/>
           <p:nvPr/>
         </p:nvSpPr>
@@ -18251,7 +18267,7 @@
       </p:sp>
       <p:sp>
         <p:nvSpPr>
-          <p:cNvPr id="186" name="Google Shape;186;p21"/>
+          <p:cNvPr id="187" name="Google Shape;187;p21"/>
           <p:cNvSpPr txBox="1"/>
           <p:nvPr/>
         </p:nvSpPr>
@@ -18304,7 +18320,7 @@
       </p:sp>
       <p:sp>
         <p:nvSpPr>
-          <p:cNvPr id="187" name="Google Shape;187;p21"/>
+          <p:cNvPr id="188" name="Google Shape;188;p21"/>
           <p:cNvSpPr txBox="1"/>
           <p:nvPr>
             <p:ph idx="1" type="body"/>
@@ -18537,7 +18553,7 @@
       </p:sp>
       <p:pic>
         <p:nvPicPr>
-          <p:cNvPr id="188" name="Google Shape;188;p21"/>
+          <p:cNvPr id="189" name="Google Shape;189;p21"/>
           <p:cNvPicPr preferRelativeResize="0"/>
           <p:nvPr/>
         </p:nvPicPr>
@@ -18565,7 +18581,7 @@
       </p:pic>
       <p:pic>
         <p:nvPicPr>
-          <p:cNvPr id="189" name="Google Shape;189;p21"/>
+          <p:cNvPr id="190" name="Google Shape;190;p21"/>
           <p:cNvPicPr preferRelativeResize="0"/>
           <p:nvPr/>
         </p:nvPicPr>
@@ -18593,7 +18609,7 @@
       </p:pic>
       <p:cxnSp>
         <p:nvCxnSpPr>
-          <p:cNvPr id="190" name="Google Shape;190;p21"/>
+          <p:cNvPr id="191" name="Google Shape;191;p21"/>
           <p:cNvCxnSpPr/>
           <p:nvPr/>
         </p:nvCxnSpPr>
@@ -18630,7 +18646,7 @@
   <p:cSld>
     <p:spTree>
       <p:nvGrpSpPr>
-        <p:cNvPr id="194" name="Shape 194"/>
+        <p:cNvPr id="195" name="Shape 195"/>
         <p:cNvGrpSpPr/>
         <p:nvPr/>
       </p:nvGrpSpPr>
@@ -18644,7 +18660,7 @@
       </p:grpSpPr>
       <p:sp>
         <p:nvSpPr>
-          <p:cNvPr id="195" name="Google Shape;195;p22"/>
+          <p:cNvPr id="196" name="Google Shape;196;p22"/>
           <p:cNvSpPr/>
           <p:nvPr/>
         </p:nvSpPr>
@@ -18703,7 +18719,7 @@
       </p:sp>
       <p:sp>
         <p:nvSpPr>
-          <p:cNvPr id="196" name="Google Shape;196;p22"/>
+          <p:cNvPr id="197" name="Google Shape;197;p22"/>
           <p:cNvSpPr txBox="1"/>
           <p:nvPr/>
         </p:nvSpPr>
@@ -18726,37 +18742,34 @@
           </a:bodyPr>
           <a:lstStyle/>
           <a:p>
-            <a:pPr indent="0" lvl="0" marL="0" marR="0" rtl="0" algn="r">
-              <a:lnSpc>
-                <a:spcPct val="100000"/>
-              </a:lnSpc>
-              <a:spcBef>
-                <a:spcPts val="0"/>
-              </a:spcBef>
-              <a:spcAft>
-                <a:spcPts val="0"/>
-              </a:spcAft>
-              <a:buNone/>
-            </a:pPr>
-            <a:r>
-              <a:rPr b="0" i="0" lang="en-US" sz="900" u="none" cap="none" strike="noStrike">
+            <a:pPr indent="0" lvl="0" marL="0" rtl="0" algn="r">
+              <a:spcBef>
+                <a:spcPts val="0"/>
+              </a:spcBef>
+              <a:spcAft>
+                <a:spcPts val="0"/>
+              </a:spcAft>
+              <a:buNone/>
+            </a:pPr>
+            <a:r>
+              <a:rPr lang="en-US" sz="900">
                 <a:solidFill>
                   <a:schemeClr val="lt1"/>
                 </a:solidFill>
-                <a:latin typeface="Arial"/>
-                <a:ea typeface="Arial"/>
-                <a:cs typeface="Arial"/>
-                <a:sym typeface="Arial"/>
               </a:rPr>
-              <a:t>XU YAN, YUNQIAN BAO, ZHICONG FAN</a:t>
-            </a:r>
-            <a:endParaRPr/>
+              <a:t>Contributor: Noam Yan</a:t>
+            </a:r>
+            <a:endParaRPr sz="900">
+              <a:solidFill>
+                <a:schemeClr val="lt1"/>
+              </a:solidFill>
+            </a:endParaRPr>
           </a:p>
         </p:txBody>
       </p:sp>
       <p:sp>
         <p:nvSpPr>
-          <p:cNvPr id="197" name="Google Shape;197;p22"/>
+          <p:cNvPr id="198" name="Google Shape;198;p22"/>
           <p:cNvSpPr/>
           <p:nvPr/>
         </p:nvSpPr>
@@ -18815,7 +18828,7 @@
       </p:sp>
       <p:pic>
         <p:nvPicPr>
-          <p:cNvPr descr="A close up of a logo&#10;&#10;Description automatically generated" id="198" name="Google Shape;198;p22"/>
+          <p:cNvPr descr="A close up of a logo&#10;&#10;Description automatically generated" id="199" name="Google Shape;199;p22"/>
           <p:cNvPicPr preferRelativeResize="0"/>
           <p:nvPr/>
         </p:nvPicPr>
@@ -18842,7 +18855,7 @@
       </p:pic>
       <p:sp>
         <p:nvSpPr>
-          <p:cNvPr id="199" name="Google Shape;199;p22"/>
+          <p:cNvPr id="200" name="Google Shape;200;p22"/>
           <p:cNvSpPr txBox="1"/>
           <p:nvPr/>
         </p:nvSpPr>
@@ -18896,7 +18909,7 @@
       </p:sp>
       <p:sp>
         <p:nvSpPr>
-          <p:cNvPr id="200" name="Google Shape;200;p22"/>
+          <p:cNvPr id="201" name="Google Shape;201;p22"/>
           <p:cNvSpPr txBox="1"/>
           <p:nvPr/>
         </p:nvSpPr>
@@ -18949,7 +18962,7 @@
       </p:sp>
       <p:sp>
         <p:nvSpPr>
-          <p:cNvPr id="201" name="Google Shape;201;p22"/>
+          <p:cNvPr id="202" name="Google Shape;202;p22"/>
           <p:cNvSpPr txBox="1"/>
           <p:nvPr>
             <p:ph idx="1" type="body"/>
@@ -19268,7 +19281,7 @@
   <p:cSld>
     <p:spTree>
       <p:nvGrpSpPr>
-        <p:cNvPr id="205" name="Shape 205"/>
+        <p:cNvPr id="206" name="Shape 206"/>
         <p:cNvGrpSpPr/>
         <p:nvPr/>
       </p:nvGrpSpPr>
@@ -19282,7 +19295,7 @@
       </p:grpSpPr>
       <p:sp>
         <p:nvSpPr>
-          <p:cNvPr id="206" name="Google Shape;206;p23"/>
+          <p:cNvPr id="207" name="Google Shape;207;p23"/>
           <p:cNvSpPr/>
           <p:nvPr/>
         </p:nvSpPr>
@@ -19341,14 +19354,14 @@
       </p:sp>
       <p:sp>
         <p:nvSpPr>
-          <p:cNvPr id="207" name="Google Shape;207;p23"/>
+          <p:cNvPr id="208" name="Google Shape;208;p23"/>
           <p:cNvSpPr txBox="1"/>
           <p:nvPr/>
         </p:nvSpPr>
         <p:spPr>
           <a:xfrm>
             <a:off x="8619565" y="6524381"/>
-            <a:ext cx="3189300" cy="230700"/>
+            <a:ext cx="3189300" cy="369300"/>
           </a:xfrm>
           <a:prstGeom prst="rect">
             <a:avLst/>
@@ -19364,6 +19377,34 @@
           </a:bodyPr>
           <a:lstStyle/>
           <a:p>
+            <a:pPr indent="0" lvl="0" marL="0" rtl="0" algn="r">
+              <a:spcBef>
+                <a:spcPts val="0"/>
+              </a:spcBef>
+              <a:spcAft>
+                <a:spcPts val="0"/>
+              </a:spcAft>
+              <a:buClr>
+                <a:schemeClr val="dk1"/>
+              </a:buClr>
+              <a:buFont typeface="Arial"/>
+              <a:buNone/>
+            </a:pPr>
+            <a:r>
+              <a:rPr lang="en-US" sz="900">
+                <a:solidFill>
+                  <a:schemeClr val="lt1"/>
+                </a:solidFill>
+              </a:rPr>
+              <a:t>Contributor: Noam Yan</a:t>
+            </a:r>
+            <a:endParaRPr>
+              <a:solidFill>
+                <a:schemeClr val="dk1"/>
+              </a:solidFill>
+            </a:endParaRPr>
+          </a:p>
+          <a:p>
             <a:pPr indent="0" lvl="0" marL="0" marR="0" rtl="0" algn="r">
               <a:lnSpc>
                 <a:spcPct val="100000"/>
@@ -19377,24 +19418,19 @@
               <a:buNone/>
             </a:pPr>
             <a:r>
-              <a:rPr b="0" i="0" lang="en-US" sz="900" u="none" cap="none" strike="noStrike">
-                <a:solidFill>
-                  <a:schemeClr val="lt1"/>
-                </a:solidFill>
-                <a:latin typeface="Arial"/>
-                <a:ea typeface="Arial"/>
-                <a:cs typeface="Arial"/>
-                <a:sym typeface="Arial"/>
-              </a:rPr>
-              <a:t>XU YAN, YUNQIAN BAO, ZHICONG FAN</a:t>
-            </a:r>
-            <a:endParaRPr/>
+              <a:t/>
+            </a:r>
+            <a:endParaRPr sz="900">
+              <a:solidFill>
+                <a:schemeClr val="lt1"/>
+              </a:solidFill>
+            </a:endParaRPr>
           </a:p>
         </p:txBody>
       </p:sp>
       <p:sp>
         <p:nvSpPr>
-          <p:cNvPr id="208" name="Google Shape;208;p23"/>
+          <p:cNvPr id="209" name="Google Shape;209;p23"/>
           <p:cNvSpPr/>
           <p:nvPr/>
         </p:nvSpPr>
@@ -19453,7 +19489,7 @@
       </p:sp>
       <p:pic>
         <p:nvPicPr>
-          <p:cNvPr descr="A close up of a logo&#10;&#10;Description automatically generated" id="209" name="Google Shape;209;p23"/>
+          <p:cNvPr descr="A close up of a logo&#10;&#10;Description automatically generated" id="210" name="Google Shape;210;p23"/>
           <p:cNvPicPr preferRelativeResize="0"/>
           <p:nvPr/>
         </p:nvPicPr>
@@ -19480,7 +19516,7 @@
       </p:pic>
       <p:sp>
         <p:nvSpPr>
-          <p:cNvPr id="210" name="Google Shape;210;p23"/>
+          <p:cNvPr id="211" name="Google Shape;211;p23"/>
           <p:cNvSpPr txBox="1"/>
           <p:nvPr/>
         </p:nvSpPr>
@@ -19534,7 +19570,7 @@
       </p:sp>
       <p:sp>
         <p:nvSpPr>
-          <p:cNvPr id="211" name="Google Shape;211;p23"/>
+          <p:cNvPr id="212" name="Google Shape;212;p23"/>
           <p:cNvSpPr txBox="1"/>
           <p:nvPr/>
         </p:nvSpPr>
@@ -19587,7 +19623,7 @@
       </p:sp>
       <p:sp>
         <p:nvSpPr>
-          <p:cNvPr id="212" name="Google Shape;212;p23"/>
+          <p:cNvPr id="213" name="Google Shape;213;p23"/>
           <p:cNvSpPr txBox="1"/>
           <p:nvPr>
             <p:ph idx="1" type="body"/>
@@ -19854,7 +19890,7 @@
       </p:sp>
       <p:sp>
         <p:nvSpPr>
-          <p:cNvPr id="213" name="Google Shape;213;p23"/>
+          <p:cNvPr id="214" name="Google Shape;214;p23"/>
           <p:cNvSpPr txBox="1"/>
           <p:nvPr>
             <p:ph idx="1" type="body"/>
@@ -20105,7 +20141,7 @@
   <p:cSld>
     <p:spTree>
       <p:nvGrpSpPr>
-        <p:cNvPr id="217" name="Shape 217"/>
+        <p:cNvPr id="218" name="Shape 218"/>
         <p:cNvGrpSpPr/>
         <p:nvPr/>
       </p:nvGrpSpPr>
@@ -20119,7 +20155,7 @@
       </p:grpSpPr>
       <p:sp>
         <p:nvSpPr>
-          <p:cNvPr id="218" name="Google Shape;218;p24"/>
+          <p:cNvPr id="219" name="Google Shape;219;p24"/>
           <p:cNvSpPr/>
           <p:nvPr/>
         </p:nvSpPr>
@@ -20178,14 +20214,14 @@
       </p:sp>
       <p:sp>
         <p:nvSpPr>
-          <p:cNvPr id="219" name="Google Shape;219;p24"/>
+          <p:cNvPr id="220" name="Google Shape;220;p24"/>
           <p:cNvSpPr txBox="1"/>
           <p:nvPr/>
         </p:nvSpPr>
         <p:spPr>
           <a:xfrm>
             <a:off x="8619565" y="6524381"/>
-            <a:ext cx="3189300" cy="230700"/>
+            <a:ext cx="3189300" cy="369300"/>
           </a:xfrm>
           <a:prstGeom prst="rect">
             <a:avLst/>
@@ -20201,6 +20237,34 @@
           </a:bodyPr>
           <a:lstStyle/>
           <a:p>
+            <a:pPr indent="0" lvl="0" marL="0" rtl="0" algn="r">
+              <a:spcBef>
+                <a:spcPts val="0"/>
+              </a:spcBef>
+              <a:spcAft>
+                <a:spcPts val="0"/>
+              </a:spcAft>
+              <a:buClr>
+                <a:schemeClr val="dk1"/>
+              </a:buClr>
+              <a:buFont typeface="Arial"/>
+              <a:buNone/>
+            </a:pPr>
+            <a:r>
+              <a:rPr lang="en-US" sz="900">
+                <a:solidFill>
+                  <a:schemeClr val="lt1"/>
+                </a:solidFill>
+              </a:rPr>
+              <a:t>Contributor: Noam Yan</a:t>
+            </a:r>
+            <a:endParaRPr>
+              <a:solidFill>
+                <a:schemeClr val="dk1"/>
+              </a:solidFill>
+            </a:endParaRPr>
+          </a:p>
+          <a:p>
             <a:pPr indent="0" lvl="0" marL="0" marR="0" rtl="0" algn="r">
               <a:lnSpc>
                 <a:spcPct val="100000"/>
@@ -20214,24 +20278,19 @@
               <a:buNone/>
             </a:pPr>
             <a:r>
-              <a:rPr b="0" i="0" lang="en-US" sz="900" u="none" cap="none" strike="noStrike">
-                <a:solidFill>
-                  <a:schemeClr val="lt1"/>
-                </a:solidFill>
-                <a:latin typeface="Arial"/>
-                <a:ea typeface="Arial"/>
-                <a:cs typeface="Arial"/>
-                <a:sym typeface="Arial"/>
-              </a:rPr>
-              <a:t>XU YAN, YUNQIAN BAO, ZHICONG FAN</a:t>
-            </a:r>
-            <a:endParaRPr/>
+              <a:t/>
+            </a:r>
+            <a:endParaRPr sz="900">
+              <a:solidFill>
+                <a:schemeClr val="lt1"/>
+              </a:solidFill>
+            </a:endParaRPr>
           </a:p>
         </p:txBody>
       </p:sp>
       <p:sp>
         <p:nvSpPr>
-          <p:cNvPr id="220" name="Google Shape;220;p24"/>
+          <p:cNvPr id="221" name="Google Shape;221;p24"/>
           <p:cNvSpPr/>
           <p:nvPr/>
         </p:nvSpPr>
@@ -20290,7 +20349,7 @@
       </p:sp>
       <p:pic>
         <p:nvPicPr>
-          <p:cNvPr descr="A close up of a logo&#10;&#10;Description automatically generated" id="221" name="Google Shape;221;p24"/>
+          <p:cNvPr descr="A close up of a logo&#10;&#10;Description automatically generated" id="222" name="Google Shape;222;p24"/>
           <p:cNvPicPr preferRelativeResize="0"/>
           <p:nvPr/>
         </p:nvPicPr>
@@ -20317,7 +20376,7 @@
       </p:pic>
       <p:sp>
         <p:nvSpPr>
-          <p:cNvPr id="222" name="Google Shape;222;p24"/>
+          <p:cNvPr id="223" name="Google Shape;223;p24"/>
           <p:cNvSpPr txBox="1"/>
           <p:nvPr/>
         </p:nvSpPr>
@@ -20371,7 +20430,7 @@
       </p:sp>
       <p:sp>
         <p:nvSpPr>
-          <p:cNvPr id="223" name="Google Shape;223;p24"/>
+          <p:cNvPr id="224" name="Google Shape;224;p24"/>
           <p:cNvSpPr txBox="1"/>
           <p:nvPr/>
         </p:nvSpPr>
@@ -20424,7 +20483,7 @@
       </p:sp>
       <p:sp>
         <p:nvSpPr>
-          <p:cNvPr id="224" name="Google Shape;224;p24"/>
+          <p:cNvPr id="225" name="Google Shape;225;p24"/>
           <p:cNvSpPr txBox="1"/>
           <p:nvPr>
             <p:ph idx="1" type="body"/>
@@ -20749,7 +20808,7 @@
       </p:sp>
       <p:pic>
         <p:nvPicPr>
-          <p:cNvPr id="225" name="Google Shape;225;p24"/>
+          <p:cNvPr id="226" name="Google Shape;226;p24"/>
           <p:cNvPicPr preferRelativeResize="0"/>
           <p:nvPr/>
         </p:nvPicPr>
@@ -20777,7 +20836,7 @@
       </p:pic>
       <p:sp>
         <p:nvSpPr>
-          <p:cNvPr id="226" name="Google Shape;226;p24"/>
+          <p:cNvPr id="227" name="Google Shape;227;p24"/>
           <p:cNvSpPr txBox="1"/>
           <p:nvPr/>
         </p:nvSpPr>
@@ -20829,7 +20888,7 @@
       </p:sp>
       <p:pic>
         <p:nvPicPr>
-          <p:cNvPr id="227" name="Google Shape;227;p24"/>
+          <p:cNvPr id="228" name="Google Shape;228;p24"/>
           <p:cNvPicPr preferRelativeResize="0"/>
           <p:nvPr/>
         </p:nvPicPr>
@@ -20857,7 +20916,7 @@
       </p:pic>
       <p:sp>
         <p:nvSpPr>
-          <p:cNvPr id="228" name="Google Shape;228;p24"/>
+          <p:cNvPr id="229" name="Google Shape;229;p24"/>
           <p:cNvSpPr/>
           <p:nvPr/>
         </p:nvSpPr>
@@ -20910,7 +20969,7 @@
       </p:sp>
       <p:sp>
         <p:nvSpPr>
-          <p:cNvPr id="229" name="Google Shape;229;p24"/>
+          <p:cNvPr id="230" name="Google Shape;230;p24"/>
           <p:cNvSpPr/>
           <p:nvPr/>
         </p:nvSpPr>
@@ -20968,7 +21027,7 @@
   <p:cSld>
     <p:spTree>
       <p:nvGrpSpPr>
-        <p:cNvPr id="233" name="Shape 233"/>
+        <p:cNvPr id="234" name="Shape 234"/>
         <p:cNvGrpSpPr/>
         <p:nvPr/>
       </p:nvGrpSpPr>
@@ -20982,7 +21041,7 @@
       </p:grpSpPr>
       <p:sp>
         <p:nvSpPr>
-          <p:cNvPr id="234" name="Google Shape;234;p25"/>
+          <p:cNvPr id="235" name="Google Shape;235;p25"/>
           <p:cNvSpPr/>
           <p:nvPr/>
         </p:nvSpPr>
@@ -21041,14 +21100,14 @@
       </p:sp>
       <p:sp>
         <p:nvSpPr>
-          <p:cNvPr id="235" name="Google Shape;235;p25"/>
+          <p:cNvPr id="236" name="Google Shape;236;p25"/>
           <p:cNvSpPr txBox="1"/>
           <p:nvPr/>
         </p:nvSpPr>
         <p:spPr>
           <a:xfrm>
             <a:off x="8619565" y="6524381"/>
-            <a:ext cx="3189300" cy="230700"/>
+            <a:ext cx="3189300" cy="369300"/>
           </a:xfrm>
           <a:prstGeom prst="rect">
             <a:avLst/>
@@ -21064,6 +21123,34 @@
           </a:bodyPr>
           <a:lstStyle/>
           <a:p>
+            <a:pPr indent="0" lvl="0" marL="0" rtl="0" algn="r">
+              <a:spcBef>
+                <a:spcPts val="0"/>
+              </a:spcBef>
+              <a:spcAft>
+                <a:spcPts val="0"/>
+              </a:spcAft>
+              <a:buClr>
+                <a:schemeClr val="dk1"/>
+              </a:buClr>
+              <a:buFont typeface="Arial"/>
+              <a:buNone/>
+            </a:pPr>
+            <a:r>
+              <a:rPr lang="en-US" sz="900">
+                <a:solidFill>
+                  <a:schemeClr val="lt1"/>
+                </a:solidFill>
+              </a:rPr>
+              <a:t>Contributor: Noam Yan</a:t>
+            </a:r>
+            <a:endParaRPr>
+              <a:solidFill>
+                <a:schemeClr val="dk1"/>
+              </a:solidFill>
+            </a:endParaRPr>
+          </a:p>
+          <a:p>
             <a:pPr indent="0" lvl="0" marL="0" marR="0" rtl="0" algn="r">
               <a:lnSpc>
                 <a:spcPct val="100000"/>
@@ -21077,24 +21164,19 @@
               <a:buNone/>
             </a:pPr>
             <a:r>
-              <a:rPr b="0" i="0" lang="en-US" sz="900" u="none" cap="none" strike="noStrike">
-                <a:solidFill>
-                  <a:schemeClr val="lt1"/>
-                </a:solidFill>
-                <a:latin typeface="Arial"/>
-                <a:ea typeface="Arial"/>
-                <a:cs typeface="Arial"/>
-                <a:sym typeface="Arial"/>
-              </a:rPr>
-              <a:t>XU YAN, YUNQIAN BAO, ZHICONG FAN</a:t>
-            </a:r>
-            <a:endParaRPr/>
+              <a:t/>
+            </a:r>
+            <a:endParaRPr sz="900">
+              <a:solidFill>
+                <a:schemeClr val="lt1"/>
+              </a:solidFill>
+            </a:endParaRPr>
           </a:p>
         </p:txBody>
       </p:sp>
       <p:sp>
         <p:nvSpPr>
-          <p:cNvPr id="236" name="Google Shape;236;p25"/>
+          <p:cNvPr id="237" name="Google Shape;237;p25"/>
           <p:cNvSpPr/>
           <p:nvPr/>
         </p:nvSpPr>
@@ -21153,7 +21235,7 @@
       </p:sp>
       <p:pic>
         <p:nvPicPr>
-          <p:cNvPr descr="A close up of a logo&#10;&#10;Description automatically generated" id="237" name="Google Shape;237;p25"/>
+          <p:cNvPr descr="A close up of a logo&#10;&#10;Description automatically generated" id="238" name="Google Shape;238;p25"/>
           <p:cNvPicPr preferRelativeResize="0"/>
           <p:nvPr/>
         </p:nvPicPr>
@@ -21180,7 +21262,7 @@
       </p:pic>
       <p:sp>
         <p:nvSpPr>
-          <p:cNvPr id="238" name="Google Shape;238;p25"/>
+          <p:cNvPr id="239" name="Google Shape;239;p25"/>
           <p:cNvSpPr txBox="1"/>
           <p:nvPr/>
         </p:nvSpPr>
@@ -21234,7 +21316,7 @@
       </p:sp>
       <p:sp>
         <p:nvSpPr>
-          <p:cNvPr id="239" name="Google Shape;239;p25"/>
+          <p:cNvPr id="240" name="Google Shape;240;p25"/>
           <p:cNvSpPr txBox="1"/>
           <p:nvPr/>
         </p:nvSpPr>
@@ -21287,7 +21369,7 @@
       </p:sp>
       <p:sp>
         <p:nvSpPr>
-          <p:cNvPr id="240" name="Google Shape;240;p25"/>
+          <p:cNvPr id="241" name="Google Shape;241;p25"/>
           <p:cNvSpPr txBox="1"/>
           <p:nvPr>
             <p:ph idx="1" type="body"/>
@@ -21679,7 +21761,7 @@
   <p:cSld>
     <p:spTree>
       <p:nvGrpSpPr>
-        <p:cNvPr id="244" name="Shape 244"/>
+        <p:cNvPr id="245" name="Shape 245"/>
         <p:cNvGrpSpPr/>
         <p:nvPr/>
       </p:nvGrpSpPr>
@@ -21693,7 +21775,7 @@
       </p:grpSpPr>
       <p:sp>
         <p:nvSpPr>
-          <p:cNvPr id="245" name="Google Shape;245;p26"/>
+          <p:cNvPr id="246" name="Google Shape;246;p26"/>
           <p:cNvSpPr/>
           <p:nvPr/>
         </p:nvSpPr>
@@ -21752,14 +21834,14 @@
       </p:sp>
       <p:sp>
         <p:nvSpPr>
-          <p:cNvPr id="246" name="Google Shape;246;p26"/>
+          <p:cNvPr id="247" name="Google Shape;247;p26"/>
           <p:cNvSpPr txBox="1"/>
           <p:nvPr/>
         </p:nvSpPr>
         <p:spPr>
           <a:xfrm>
             <a:off x="8619565" y="6524381"/>
-            <a:ext cx="3189300" cy="230700"/>
+            <a:ext cx="3189300" cy="369300"/>
           </a:xfrm>
           <a:prstGeom prst="rect">
             <a:avLst/>
@@ -21775,6 +21857,34 @@
           </a:bodyPr>
           <a:lstStyle/>
           <a:p>
+            <a:pPr indent="0" lvl="0" marL="0" rtl="0" algn="r">
+              <a:spcBef>
+                <a:spcPts val="0"/>
+              </a:spcBef>
+              <a:spcAft>
+                <a:spcPts val="0"/>
+              </a:spcAft>
+              <a:buClr>
+                <a:schemeClr val="dk1"/>
+              </a:buClr>
+              <a:buFont typeface="Arial"/>
+              <a:buNone/>
+            </a:pPr>
+            <a:r>
+              <a:rPr lang="en-US" sz="900">
+                <a:solidFill>
+                  <a:schemeClr val="lt1"/>
+                </a:solidFill>
+              </a:rPr>
+              <a:t>Contributor: Noam Yan</a:t>
+            </a:r>
+            <a:endParaRPr>
+              <a:solidFill>
+                <a:schemeClr val="dk1"/>
+              </a:solidFill>
+            </a:endParaRPr>
+          </a:p>
+          <a:p>
             <a:pPr indent="0" lvl="0" marL="0" marR="0" rtl="0" algn="r">
               <a:lnSpc>
                 <a:spcPct val="100000"/>
@@ -21788,24 +21898,19 @@
               <a:buNone/>
             </a:pPr>
             <a:r>
-              <a:rPr b="0" i="0" lang="en-US" sz="900" u="none" cap="none" strike="noStrike">
-                <a:solidFill>
-                  <a:schemeClr val="lt1"/>
-                </a:solidFill>
-                <a:latin typeface="Arial"/>
-                <a:ea typeface="Arial"/>
-                <a:cs typeface="Arial"/>
-                <a:sym typeface="Arial"/>
-              </a:rPr>
-              <a:t>XU YAN, YUNQIAN BAO, ZHICONG FAN</a:t>
-            </a:r>
-            <a:endParaRPr/>
+              <a:t/>
+            </a:r>
+            <a:endParaRPr sz="900">
+              <a:solidFill>
+                <a:schemeClr val="lt1"/>
+              </a:solidFill>
+            </a:endParaRPr>
           </a:p>
         </p:txBody>
       </p:sp>
       <p:sp>
         <p:nvSpPr>
-          <p:cNvPr id="247" name="Google Shape;247;p26"/>
+          <p:cNvPr id="248" name="Google Shape;248;p26"/>
           <p:cNvSpPr/>
           <p:nvPr/>
         </p:nvSpPr>
@@ -21864,7 +21969,7 @@
       </p:sp>
       <p:pic>
         <p:nvPicPr>
-          <p:cNvPr descr="A close up of a logo&#10;&#10;Description automatically generated" id="248" name="Google Shape;248;p26"/>
+          <p:cNvPr descr="A close up of a logo&#10;&#10;Description automatically generated" id="249" name="Google Shape;249;p26"/>
           <p:cNvPicPr preferRelativeResize="0"/>
           <p:nvPr/>
         </p:nvPicPr>
@@ -21891,7 +21996,7 @@
       </p:pic>
       <p:sp>
         <p:nvSpPr>
-          <p:cNvPr id="249" name="Google Shape;249;p26"/>
+          <p:cNvPr id="250" name="Google Shape;250;p26"/>
           <p:cNvSpPr txBox="1"/>
           <p:nvPr/>
         </p:nvSpPr>
@@ -21945,7 +22050,7 @@
       </p:sp>
       <p:sp>
         <p:nvSpPr>
-          <p:cNvPr id="250" name="Google Shape;250;p26"/>
+          <p:cNvPr id="251" name="Google Shape;251;p26"/>
           <p:cNvSpPr txBox="1"/>
           <p:nvPr/>
         </p:nvSpPr>
@@ -21998,7 +22103,7 @@
       </p:sp>
       <p:sp>
         <p:nvSpPr>
-          <p:cNvPr id="251" name="Google Shape;251;p26"/>
+          <p:cNvPr id="252" name="Google Shape;252;p26"/>
           <p:cNvSpPr txBox="1"/>
           <p:nvPr>
             <p:ph idx="1" type="body"/>
@@ -22118,7 +22223,7 @@
       </p:sp>
       <p:pic>
         <p:nvPicPr>
-          <p:cNvPr id="252" name="Google Shape;252;p26"/>
+          <p:cNvPr id="253" name="Google Shape;253;p26"/>
           <p:cNvPicPr preferRelativeResize="0"/>
           <p:nvPr/>
         </p:nvPicPr>
@@ -22146,7 +22251,7 @@
       </p:pic>
       <p:sp>
         <p:nvSpPr>
-          <p:cNvPr id="253" name="Google Shape;253;p26"/>
+          <p:cNvPr id="254" name="Google Shape;254;p26"/>
           <p:cNvSpPr txBox="1"/>
           <p:nvPr/>
         </p:nvSpPr>
@@ -22198,7 +22303,7 @@
       </p:sp>
       <p:sp>
         <p:nvSpPr>
-          <p:cNvPr id="254" name="Google Shape;254;p26"/>
+          <p:cNvPr id="255" name="Google Shape;255;p26"/>
           <p:cNvSpPr/>
           <p:nvPr/>
         </p:nvSpPr>
@@ -22261,7 +22366,7 @@
   <p:cSld>
     <p:spTree>
       <p:nvGrpSpPr>
-        <p:cNvPr id="258" name="Shape 258"/>
+        <p:cNvPr id="259" name="Shape 259"/>
         <p:cNvGrpSpPr/>
         <p:nvPr/>
       </p:nvGrpSpPr>
@@ -22275,7 +22380,7 @@
       </p:grpSpPr>
       <p:sp>
         <p:nvSpPr>
-          <p:cNvPr id="259" name="Google Shape;259;p27"/>
+          <p:cNvPr id="260" name="Google Shape;260;p27"/>
           <p:cNvSpPr/>
           <p:nvPr/>
         </p:nvSpPr>
@@ -22334,14 +22439,14 @@
       </p:sp>
       <p:sp>
         <p:nvSpPr>
-          <p:cNvPr id="260" name="Google Shape;260;p27"/>
+          <p:cNvPr id="261" name="Google Shape;261;p27"/>
           <p:cNvSpPr txBox="1"/>
           <p:nvPr/>
         </p:nvSpPr>
         <p:spPr>
           <a:xfrm>
             <a:off x="8619565" y="6524381"/>
-            <a:ext cx="3189300" cy="230700"/>
+            <a:ext cx="3189300" cy="369300"/>
           </a:xfrm>
           <a:prstGeom prst="rect">
             <a:avLst/>
@@ -22357,6 +22462,34 @@
           </a:bodyPr>
           <a:lstStyle/>
           <a:p>
+            <a:pPr indent="0" lvl="0" marL="0" rtl="0" algn="r">
+              <a:spcBef>
+                <a:spcPts val="0"/>
+              </a:spcBef>
+              <a:spcAft>
+                <a:spcPts val="0"/>
+              </a:spcAft>
+              <a:buClr>
+                <a:schemeClr val="dk1"/>
+              </a:buClr>
+              <a:buFont typeface="Arial"/>
+              <a:buNone/>
+            </a:pPr>
+            <a:r>
+              <a:rPr lang="en-US" sz="900">
+                <a:solidFill>
+                  <a:schemeClr val="lt1"/>
+                </a:solidFill>
+              </a:rPr>
+              <a:t>Contributor: Noam Yan</a:t>
+            </a:r>
+            <a:endParaRPr>
+              <a:solidFill>
+                <a:schemeClr val="dk1"/>
+              </a:solidFill>
+            </a:endParaRPr>
+          </a:p>
+          <a:p>
             <a:pPr indent="0" lvl="0" marL="0" marR="0" rtl="0" algn="r">
               <a:lnSpc>
                 <a:spcPct val="100000"/>
@@ -22370,24 +22503,19 @@
               <a:buNone/>
             </a:pPr>
             <a:r>
-              <a:rPr b="0" i="0" lang="en-US" sz="900" u="none" cap="none" strike="noStrike">
-                <a:solidFill>
-                  <a:schemeClr val="lt1"/>
-                </a:solidFill>
-                <a:latin typeface="Arial"/>
-                <a:ea typeface="Arial"/>
-                <a:cs typeface="Arial"/>
-                <a:sym typeface="Arial"/>
-              </a:rPr>
-              <a:t>XU YAN, YUNQIAN BAO, ZHICONG FAN</a:t>
-            </a:r>
-            <a:endParaRPr/>
+              <a:t/>
+            </a:r>
+            <a:endParaRPr sz="900">
+              <a:solidFill>
+                <a:schemeClr val="lt1"/>
+              </a:solidFill>
+            </a:endParaRPr>
           </a:p>
         </p:txBody>
       </p:sp>
       <p:sp>
         <p:nvSpPr>
-          <p:cNvPr id="261" name="Google Shape;261;p27"/>
+          <p:cNvPr id="262" name="Google Shape;262;p27"/>
           <p:cNvSpPr/>
           <p:nvPr/>
         </p:nvSpPr>
@@ -22446,7 +22574,7 @@
       </p:sp>
       <p:pic>
         <p:nvPicPr>
-          <p:cNvPr descr="A close up of a logo&#10;&#10;Description automatically generated" id="262" name="Google Shape;262;p27"/>
+          <p:cNvPr descr="A close up of a logo&#10;&#10;Description automatically generated" id="263" name="Google Shape;263;p27"/>
           <p:cNvPicPr preferRelativeResize="0"/>
           <p:nvPr/>
         </p:nvPicPr>
@@ -22473,7 +22601,7 @@
       </p:pic>
       <p:sp>
         <p:nvSpPr>
-          <p:cNvPr id="263" name="Google Shape;263;p27"/>
+          <p:cNvPr id="264" name="Google Shape;264;p27"/>
           <p:cNvSpPr txBox="1"/>
           <p:nvPr/>
         </p:nvSpPr>
@@ -22527,7 +22655,7 @@
       </p:sp>
       <p:sp>
         <p:nvSpPr>
-          <p:cNvPr id="264" name="Google Shape;264;p27"/>
+          <p:cNvPr id="265" name="Google Shape;265;p27"/>
           <p:cNvSpPr txBox="1"/>
           <p:nvPr/>
         </p:nvSpPr>
@@ -22580,7 +22708,7 @@
       </p:sp>
       <p:sp>
         <p:nvSpPr>
-          <p:cNvPr id="265" name="Google Shape;265;p27"/>
+          <p:cNvPr id="266" name="Google Shape;266;p27"/>
           <p:cNvSpPr txBox="1"/>
           <p:nvPr>
             <p:ph idx="1" type="body"/>
@@ -22704,7 +22832,7 @@
       </p:sp>
       <p:pic>
         <p:nvPicPr>
-          <p:cNvPr id="266" name="Google Shape;266;p27"/>
+          <p:cNvPr id="267" name="Google Shape;267;p27"/>
           <p:cNvPicPr preferRelativeResize="0"/>
           <p:nvPr/>
         </p:nvPicPr>
@@ -22732,7 +22860,7 @@
       </p:pic>
       <p:sp>
         <p:nvSpPr>
-          <p:cNvPr id="267" name="Google Shape;267;p27"/>
+          <p:cNvPr id="268" name="Google Shape;268;p27"/>
           <p:cNvSpPr/>
           <p:nvPr/>
         </p:nvSpPr>
@@ -22783,7 +22911,7 @@
       </p:sp>
       <p:sp>
         <p:nvSpPr>
-          <p:cNvPr id="268" name="Google Shape;268;p27"/>
+          <p:cNvPr id="269" name="Google Shape;269;p27"/>
           <p:cNvSpPr/>
           <p:nvPr/>
         </p:nvSpPr>
@@ -22834,7 +22962,7 @@
       </p:sp>
       <p:sp>
         <p:nvSpPr>
-          <p:cNvPr id="269" name="Google Shape;269;p27"/>
+          <p:cNvPr id="270" name="Google Shape;270;p27"/>
           <p:cNvSpPr/>
           <p:nvPr/>
         </p:nvSpPr>
@@ -22885,7 +23013,7 @@
       </p:sp>
       <p:sp>
         <p:nvSpPr>
-          <p:cNvPr id="270" name="Google Shape;270;p27"/>
+          <p:cNvPr id="271" name="Google Shape;271;p27"/>
           <p:cNvSpPr/>
           <p:nvPr/>
         </p:nvSpPr>
@@ -22936,7 +23064,7 @@
       </p:sp>
       <p:sp>
         <p:nvSpPr>
-          <p:cNvPr id="271" name="Google Shape;271;p27"/>
+          <p:cNvPr id="272" name="Google Shape;272;p27"/>
           <p:cNvSpPr txBox="1"/>
           <p:nvPr/>
         </p:nvSpPr>
@@ -23093,7 +23221,7 @@
   <p:cSld>
     <p:spTree>
       <p:nvGrpSpPr>
-        <p:cNvPr id="275" name="Shape 275"/>
+        <p:cNvPr id="276" name="Shape 276"/>
         <p:cNvGrpSpPr/>
         <p:nvPr/>
       </p:nvGrpSpPr>
@@ -23107,7 +23235,7 @@
       </p:grpSpPr>
       <p:sp>
         <p:nvSpPr>
-          <p:cNvPr id="276" name="Google Shape;276;p28"/>
+          <p:cNvPr id="277" name="Google Shape;277;p28"/>
           <p:cNvSpPr/>
           <p:nvPr/>
         </p:nvSpPr>
@@ -23166,14 +23294,14 @@
       </p:sp>
       <p:sp>
         <p:nvSpPr>
-          <p:cNvPr id="277" name="Google Shape;277;p28"/>
+          <p:cNvPr id="278" name="Google Shape;278;p28"/>
           <p:cNvSpPr txBox="1"/>
           <p:nvPr/>
         </p:nvSpPr>
         <p:spPr>
           <a:xfrm>
             <a:off x="8619565" y="6524381"/>
-            <a:ext cx="3189300" cy="230700"/>
+            <a:ext cx="3189300" cy="369300"/>
           </a:xfrm>
           <a:prstGeom prst="rect">
             <a:avLst/>
@@ -23189,6 +23317,34 @@
           </a:bodyPr>
           <a:lstStyle/>
           <a:p>
+            <a:pPr indent="0" lvl="0" marL="0" rtl="0" algn="r">
+              <a:spcBef>
+                <a:spcPts val="0"/>
+              </a:spcBef>
+              <a:spcAft>
+                <a:spcPts val="0"/>
+              </a:spcAft>
+              <a:buClr>
+                <a:schemeClr val="dk1"/>
+              </a:buClr>
+              <a:buFont typeface="Arial"/>
+              <a:buNone/>
+            </a:pPr>
+            <a:r>
+              <a:rPr lang="en-US" sz="900">
+                <a:solidFill>
+                  <a:schemeClr val="lt1"/>
+                </a:solidFill>
+              </a:rPr>
+              <a:t>Contributor: Noam Yan</a:t>
+            </a:r>
+            <a:endParaRPr>
+              <a:solidFill>
+                <a:schemeClr val="dk1"/>
+              </a:solidFill>
+            </a:endParaRPr>
+          </a:p>
+          <a:p>
             <a:pPr indent="0" lvl="0" marL="0" marR="0" rtl="0" algn="r">
               <a:lnSpc>
                 <a:spcPct val="100000"/>
@@ -23202,24 +23358,19 @@
               <a:buNone/>
             </a:pPr>
             <a:r>
-              <a:rPr b="0" i="0" lang="en-US" sz="900" u="none" cap="none" strike="noStrike">
-                <a:solidFill>
-                  <a:schemeClr val="lt1"/>
-                </a:solidFill>
-                <a:latin typeface="Arial"/>
-                <a:ea typeface="Arial"/>
-                <a:cs typeface="Arial"/>
-                <a:sym typeface="Arial"/>
-              </a:rPr>
-              <a:t>XU YAN, YUNQIAN BAO, ZHICONG FAN</a:t>
-            </a:r>
-            <a:endParaRPr/>
+              <a:t/>
+            </a:r>
+            <a:endParaRPr sz="900">
+              <a:solidFill>
+                <a:schemeClr val="lt1"/>
+              </a:solidFill>
+            </a:endParaRPr>
           </a:p>
         </p:txBody>
       </p:sp>
       <p:sp>
         <p:nvSpPr>
-          <p:cNvPr id="278" name="Google Shape;278;p28"/>
+          <p:cNvPr id="279" name="Google Shape;279;p28"/>
           <p:cNvSpPr/>
           <p:nvPr/>
         </p:nvSpPr>
@@ -23278,7 +23429,7 @@
       </p:sp>
       <p:pic>
         <p:nvPicPr>
-          <p:cNvPr descr="A close up of a logo&#10;&#10;Description automatically generated" id="279" name="Google Shape;279;p28"/>
+          <p:cNvPr descr="A close up of a logo&#10;&#10;Description automatically generated" id="280" name="Google Shape;280;p28"/>
           <p:cNvPicPr preferRelativeResize="0"/>
           <p:nvPr/>
         </p:nvPicPr>
@@ -23305,7 +23456,7 @@
       </p:pic>
       <p:sp>
         <p:nvSpPr>
-          <p:cNvPr id="280" name="Google Shape;280;p28"/>
+          <p:cNvPr id="281" name="Google Shape;281;p28"/>
           <p:cNvSpPr txBox="1"/>
           <p:nvPr/>
         </p:nvSpPr>
@@ -23359,7 +23510,7 @@
       </p:sp>
       <p:sp>
         <p:nvSpPr>
-          <p:cNvPr id="281" name="Google Shape;281;p28"/>
+          <p:cNvPr id="282" name="Google Shape;282;p28"/>
           <p:cNvSpPr txBox="1"/>
           <p:nvPr/>
         </p:nvSpPr>
@@ -23412,7 +23563,7 @@
       </p:sp>
       <p:sp>
         <p:nvSpPr>
-          <p:cNvPr id="282" name="Google Shape;282;p28"/>
+          <p:cNvPr id="283" name="Google Shape;283;p28"/>
           <p:cNvSpPr txBox="1"/>
           <p:nvPr>
             <p:ph idx="1" type="body"/>
@@ -23608,7 +23759,7 @@
       </p:sp>
       <p:pic>
         <p:nvPicPr>
-          <p:cNvPr id="283" name="Google Shape;283;p28"/>
+          <p:cNvPr id="284" name="Google Shape;284;p28"/>
           <p:cNvPicPr preferRelativeResize="0"/>
           <p:nvPr/>
         </p:nvPicPr>
@@ -23647,7 +23798,7 @@
   <p:cSld>
     <p:spTree>
       <p:nvGrpSpPr>
-        <p:cNvPr id="287" name="Shape 287"/>
+        <p:cNvPr id="288" name="Shape 288"/>
         <p:cNvGrpSpPr/>
         <p:nvPr/>
       </p:nvGrpSpPr>
@@ -23661,7 +23812,7 @@
       </p:grpSpPr>
       <p:sp>
         <p:nvSpPr>
-          <p:cNvPr id="288" name="Google Shape;288;p29"/>
+          <p:cNvPr id="289" name="Google Shape;289;p29"/>
           <p:cNvSpPr/>
           <p:nvPr/>
         </p:nvSpPr>
@@ -23720,7 +23871,7 @@
       </p:sp>
       <p:pic>
         <p:nvPicPr>
-          <p:cNvPr descr="A picture containing building, street&#10;&#10;Description automatically generated" id="289" name="Google Shape;289;p29"/>
+          <p:cNvPr descr="A picture containing building, street&#10;&#10;Description automatically generated" id="290" name="Google Shape;290;p29"/>
           <p:cNvPicPr preferRelativeResize="0"/>
           <p:nvPr/>
         </p:nvPicPr>
@@ -23747,7 +23898,7 @@
       </p:pic>
       <p:pic>
         <p:nvPicPr>
-          <p:cNvPr descr="A close up of a logo&#10;&#10;Description automatically generated" id="290" name="Google Shape;290;p29"/>
+          <p:cNvPr descr="A close up of a logo&#10;&#10;Description automatically generated" id="291" name="Google Shape;291;p29"/>
           <p:cNvPicPr preferRelativeResize="0"/>
           <p:nvPr/>
         </p:nvPicPr>
@@ -23774,7 +23925,7 @@
       </p:pic>
       <p:sp>
         <p:nvSpPr>
-          <p:cNvPr id="291" name="Google Shape;291;p29"/>
+          <p:cNvPr id="292" name="Google Shape;292;p29"/>
           <p:cNvSpPr txBox="1"/>
           <p:nvPr/>
         </p:nvSpPr>
@@ -23862,7 +24013,7 @@
       </p:sp>
       <p:sp>
         <p:nvSpPr>
-          <p:cNvPr id="292" name="Google Shape;292;p29"/>
+          <p:cNvPr id="293" name="Google Shape;293;p29"/>
           <p:cNvSpPr/>
           <p:nvPr/>
         </p:nvSpPr>
@@ -23921,7 +24072,7 @@
       </p:sp>
       <p:sp>
         <p:nvSpPr>
-          <p:cNvPr id="293" name="Google Shape;293;p29"/>
+          <p:cNvPr id="294" name="Google Shape;294;p29"/>
           <p:cNvSpPr txBox="1"/>
           <p:nvPr/>
         </p:nvSpPr>
@@ -23974,7 +24125,7 @@
       </p:sp>
       <p:sp>
         <p:nvSpPr>
-          <p:cNvPr id="294" name="Google Shape;294;p29"/>
+          <p:cNvPr id="295" name="Google Shape;295;p29"/>
           <p:cNvSpPr txBox="1"/>
           <p:nvPr/>
         </p:nvSpPr>
@@ -24038,7 +24189,7 @@
   <p:cSld>
     <p:spTree>
       <p:nvGrpSpPr>
-        <p:cNvPr id="298" name="Shape 298"/>
+        <p:cNvPr id="299" name="Shape 299"/>
         <p:cNvGrpSpPr/>
         <p:nvPr/>
       </p:nvGrpSpPr>
@@ -24052,7 +24203,7 @@
       </p:grpSpPr>
       <p:sp>
         <p:nvSpPr>
-          <p:cNvPr id="299" name="Google Shape;299;p30"/>
+          <p:cNvPr id="300" name="Google Shape;300;p30"/>
           <p:cNvSpPr/>
           <p:nvPr/>
         </p:nvSpPr>
@@ -24111,14 +24262,14 @@
       </p:sp>
       <p:sp>
         <p:nvSpPr>
-          <p:cNvPr id="300" name="Google Shape;300;p30"/>
+          <p:cNvPr id="301" name="Google Shape;301;p30"/>
           <p:cNvSpPr txBox="1"/>
           <p:nvPr/>
         </p:nvSpPr>
         <p:spPr>
           <a:xfrm>
             <a:off x="8619565" y="6524381"/>
-            <a:ext cx="3189300" cy="230700"/>
+            <a:ext cx="3189300" cy="369300"/>
           </a:xfrm>
           <a:prstGeom prst="rect">
             <a:avLst/>
@@ -24134,6 +24285,34 @@
           </a:bodyPr>
           <a:lstStyle/>
           <a:p>
+            <a:pPr indent="0" lvl="0" marL="0" rtl="0" algn="r">
+              <a:spcBef>
+                <a:spcPts val="0"/>
+              </a:spcBef>
+              <a:spcAft>
+                <a:spcPts val="0"/>
+              </a:spcAft>
+              <a:buClr>
+                <a:schemeClr val="dk1"/>
+              </a:buClr>
+              <a:buFont typeface="Arial"/>
+              <a:buNone/>
+            </a:pPr>
+            <a:r>
+              <a:rPr lang="en-US" sz="900">
+                <a:solidFill>
+                  <a:schemeClr val="lt1"/>
+                </a:solidFill>
+              </a:rPr>
+              <a:t>Contributor: Yunqian Bao</a:t>
+            </a:r>
+            <a:endParaRPr>
+              <a:solidFill>
+                <a:schemeClr val="dk1"/>
+              </a:solidFill>
+            </a:endParaRPr>
+          </a:p>
+          <a:p>
             <a:pPr indent="0" lvl="0" marL="0" marR="0" rtl="0" algn="r">
               <a:lnSpc>
                 <a:spcPct val="100000"/>
@@ -24147,24 +24326,19 @@
               <a:buNone/>
             </a:pPr>
             <a:r>
-              <a:rPr b="0" i="0" lang="en-US" sz="900" u="none" cap="none" strike="noStrike">
-                <a:solidFill>
-                  <a:schemeClr val="lt1"/>
-                </a:solidFill>
-                <a:latin typeface="Arial"/>
-                <a:ea typeface="Arial"/>
-                <a:cs typeface="Arial"/>
-                <a:sym typeface="Arial"/>
-              </a:rPr>
-              <a:t>XU YAN, YUNQIAN BAO, ZHICONG FAN</a:t>
-            </a:r>
-            <a:endParaRPr/>
+              <a:t/>
+            </a:r>
+            <a:endParaRPr sz="900">
+              <a:solidFill>
+                <a:schemeClr val="lt1"/>
+              </a:solidFill>
+            </a:endParaRPr>
           </a:p>
         </p:txBody>
       </p:sp>
       <p:sp>
         <p:nvSpPr>
-          <p:cNvPr id="301" name="Google Shape;301;p30"/>
+          <p:cNvPr id="302" name="Google Shape;302;p30"/>
           <p:cNvSpPr/>
           <p:nvPr/>
         </p:nvSpPr>
@@ -24223,7 +24397,7 @@
       </p:sp>
       <p:pic>
         <p:nvPicPr>
-          <p:cNvPr descr="A close up of a logo&#10;&#10;Description automatically generated" id="302" name="Google Shape;302;p30"/>
+          <p:cNvPr descr="A close up of a logo&#10;&#10;Description automatically generated" id="303" name="Google Shape;303;p30"/>
           <p:cNvPicPr preferRelativeResize="0"/>
           <p:nvPr/>
         </p:nvPicPr>
@@ -24250,7 +24424,7 @@
       </p:pic>
       <p:sp>
         <p:nvSpPr>
-          <p:cNvPr id="303" name="Google Shape;303;p30"/>
+          <p:cNvPr id="304" name="Google Shape;304;p30"/>
           <p:cNvSpPr txBox="1"/>
           <p:nvPr/>
         </p:nvSpPr>
@@ -24304,7 +24478,7 @@
       </p:sp>
       <p:sp>
         <p:nvSpPr>
-          <p:cNvPr id="304" name="Google Shape;304;p30"/>
+          <p:cNvPr id="305" name="Google Shape;305;p30"/>
           <p:cNvSpPr txBox="1"/>
           <p:nvPr/>
         </p:nvSpPr>
@@ -24357,7 +24531,7 @@
       </p:sp>
       <p:sp>
         <p:nvSpPr>
-          <p:cNvPr id="305" name="Google Shape;305;p30"/>
+          <p:cNvPr id="306" name="Google Shape;306;p30"/>
           <p:cNvSpPr txBox="1"/>
           <p:nvPr>
             <p:ph idx="1" type="body"/>
@@ -24749,7 +24923,7 @@
       </p:sp>
       <p:pic>
         <p:nvPicPr>
-          <p:cNvPr id="306" name="Google Shape;306;p30"/>
+          <p:cNvPr id="307" name="Google Shape;307;p30"/>
           <p:cNvPicPr preferRelativeResize="0"/>
           <p:nvPr/>
         </p:nvPicPr>
@@ -25220,6 +25394,64 @@
           </a:ln>
         </p:spPr>
       </p:pic>
+      <p:sp>
+        <p:nvSpPr>
+          <p:cNvPr id="97" name="Google Shape;97;p13"/>
+          <p:cNvSpPr txBox="1"/>
+          <p:nvPr/>
+        </p:nvSpPr>
+        <p:spPr>
+          <a:xfrm>
+            <a:off x="10143650" y="6457800"/>
+            <a:ext cx="1999800" cy="400200"/>
+          </a:xfrm>
+          <a:prstGeom prst="rect">
+            <a:avLst/>
+          </a:prstGeom>
+          <a:noFill/>
+          <a:ln>
+            <a:noFill/>
+          </a:ln>
+        </p:spPr>
+        <p:txBody>
+          <a:bodyPr anchorCtr="0" anchor="t" bIns="91425" lIns="91425" spcFirstLastPara="1" rIns="91425" wrap="square" tIns="91425">
+            <a:spAutoFit/>
+          </a:bodyPr>
+          <a:lstStyle/>
+          <a:p>
+            <a:pPr indent="0" lvl="0" marL="0" rtl="0" algn="l">
+              <a:spcBef>
+                <a:spcPts val="0"/>
+              </a:spcBef>
+              <a:spcAft>
+                <a:spcPts val="0"/>
+              </a:spcAft>
+              <a:buNone/>
+            </a:pPr>
+            <a:r>
+              <a:rPr lang="en-US">
+                <a:solidFill>
+                  <a:schemeClr val="lt1"/>
+                </a:solidFill>
+                <a:latin typeface="Calibri"/>
+                <a:ea typeface="Calibri"/>
+                <a:cs typeface="Calibri"/>
+                <a:sym typeface="Calibri"/>
+              </a:rPr>
+              <a:t>Contributor: Noam Yan</a:t>
+            </a:r>
+            <a:endParaRPr>
+              <a:solidFill>
+                <a:schemeClr val="lt1"/>
+              </a:solidFill>
+              <a:latin typeface="Calibri"/>
+              <a:ea typeface="Calibri"/>
+              <a:cs typeface="Calibri"/>
+              <a:sym typeface="Calibri"/>
+            </a:endParaRPr>
+          </a:p>
+        </p:txBody>
+      </p:sp>
     </p:spTree>
   </p:cSld>
   <p:clrMapOvr>
@@ -25233,7 +25465,7 @@
   <p:cSld>
     <p:spTree>
       <p:nvGrpSpPr>
-        <p:cNvPr id="310" name="Shape 310"/>
+        <p:cNvPr id="311" name="Shape 311"/>
         <p:cNvGrpSpPr/>
         <p:nvPr/>
       </p:nvGrpSpPr>
@@ -25247,7 +25479,7 @@
       </p:grpSpPr>
       <p:sp>
         <p:nvSpPr>
-          <p:cNvPr id="311" name="Google Shape;311;p31"/>
+          <p:cNvPr id="312" name="Google Shape;312;p31"/>
           <p:cNvSpPr/>
           <p:nvPr/>
         </p:nvSpPr>
@@ -25306,14 +25538,14 @@
       </p:sp>
       <p:sp>
         <p:nvSpPr>
-          <p:cNvPr id="312" name="Google Shape;312;p31"/>
+          <p:cNvPr id="313" name="Google Shape;313;p31"/>
           <p:cNvSpPr txBox="1"/>
           <p:nvPr/>
         </p:nvSpPr>
         <p:spPr>
           <a:xfrm>
             <a:off x="8619565" y="6524381"/>
-            <a:ext cx="3189300" cy="230700"/>
+            <a:ext cx="3189300" cy="507900"/>
           </a:xfrm>
           <a:prstGeom prst="rect">
             <a:avLst/>
@@ -25329,6 +25561,57 @@
           </a:bodyPr>
           <a:lstStyle/>
           <a:p>
+            <a:pPr indent="0" lvl="0" marL="0" rtl="0" algn="r">
+              <a:spcBef>
+                <a:spcPts val="0"/>
+              </a:spcBef>
+              <a:spcAft>
+                <a:spcPts val="0"/>
+              </a:spcAft>
+              <a:buClr>
+                <a:schemeClr val="dk1"/>
+              </a:buClr>
+              <a:buFont typeface="Arial"/>
+              <a:buNone/>
+            </a:pPr>
+            <a:r>
+              <a:rPr lang="en-US" sz="900">
+                <a:solidFill>
+                  <a:schemeClr val="lt1"/>
+                </a:solidFill>
+              </a:rPr>
+              <a:t>Contributor: Yunqian Bao</a:t>
+            </a:r>
+            <a:endParaRPr>
+              <a:solidFill>
+                <a:schemeClr val="dk1"/>
+              </a:solidFill>
+            </a:endParaRPr>
+          </a:p>
+          <a:p>
+            <a:pPr indent="0" lvl="0" marL="0" rtl="0" algn="r">
+              <a:spcBef>
+                <a:spcPts val="0"/>
+              </a:spcBef>
+              <a:spcAft>
+                <a:spcPts val="0"/>
+              </a:spcAft>
+              <a:buClr>
+                <a:schemeClr val="dk1"/>
+              </a:buClr>
+              <a:buFont typeface="Arial"/>
+              <a:buNone/>
+            </a:pPr>
+            <a:r>
+              <a:t/>
+            </a:r>
+            <a:endParaRPr sz="900">
+              <a:solidFill>
+                <a:schemeClr val="lt1"/>
+              </a:solidFill>
+            </a:endParaRPr>
+          </a:p>
+          <a:p>
             <a:pPr indent="0" lvl="0" marL="0" marR="0" rtl="0" algn="r">
               <a:lnSpc>
                 <a:spcPct val="100000"/>
@@ -25342,24 +25625,19 @@
               <a:buNone/>
             </a:pPr>
             <a:r>
-              <a:rPr b="0" i="0" lang="en-US" sz="900" u="none" cap="none" strike="noStrike">
-                <a:solidFill>
-                  <a:schemeClr val="lt1"/>
-                </a:solidFill>
-                <a:latin typeface="Arial"/>
-                <a:ea typeface="Arial"/>
-                <a:cs typeface="Arial"/>
-                <a:sym typeface="Arial"/>
-              </a:rPr>
-              <a:t>XU YAN, YUNQIAN BAO, ZHICONG FAN</a:t>
-            </a:r>
-            <a:endParaRPr/>
+              <a:t/>
+            </a:r>
+            <a:endParaRPr sz="900">
+              <a:solidFill>
+                <a:schemeClr val="lt1"/>
+              </a:solidFill>
+            </a:endParaRPr>
           </a:p>
         </p:txBody>
       </p:sp>
       <p:sp>
         <p:nvSpPr>
-          <p:cNvPr id="313" name="Google Shape;313;p31"/>
+          <p:cNvPr id="314" name="Google Shape;314;p31"/>
           <p:cNvSpPr/>
           <p:nvPr/>
         </p:nvSpPr>
@@ -25418,7 +25696,7 @@
       </p:sp>
       <p:pic>
         <p:nvPicPr>
-          <p:cNvPr descr="A close up of a logo&#10;&#10;Description automatically generated" id="314" name="Google Shape;314;p31"/>
+          <p:cNvPr descr="A close up of a logo&#10;&#10;Description automatically generated" id="315" name="Google Shape;315;p31"/>
           <p:cNvPicPr preferRelativeResize="0"/>
           <p:nvPr/>
         </p:nvPicPr>
@@ -25445,7 +25723,7 @@
       </p:pic>
       <p:sp>
         <p:nvSpPr>
-          <p:cNvPr id="315" name="Google Shape;315;p31"/>
+          <p:cNvPr id="316" name="Google Shape;316;p31"/>
           <p:cNvSpPr txBox="1"/>
           <p:nvPr/>
         </p:nvSpPr>
@@ -25499,7 +25777,7 @@
       </p:sp>
       <p:sp>
         <p:nvSpPr>
-          <p:cNvPr id="316" name="Google Shape;316;p31"/>
+          <p:cNvPr id="317" name="Google Shape;317;p31"/>
           <p:cNvSpPr txBox="1"/>
           <p:nvPr/>
         </p:nvSpPr>
@@ -25552,7 +25830,7 @@
       </p:sp>
       <p:sp>
         <p:nvSpPr>
-          <p:cNvPr id="317" name="Google Shape;317;p31"/>
+          <p:cNvPr id="318" name="Google Shape;318;p31"/>
           <p:cNvSpPr txBox="1"/>
           <p:nvPr>
             <p:ph idx="1" type="body"/>
@@ -25914,7 +26192,7 @@
       </p:sp>
       <p:pic>
         <p:nvPicPr>
-          <p:cNvPr id="318" name="Google Shape;318;p31"/>
+          <p:cNvPr id="319" name="Google Shape;319;p31"/>
           <p:cNvPicPr preferRelativeResize="0"/>
           <p:nvPr/>
         </p:nvPicPr>
@@ -25953,7 +26231,7 @@
   <p:cSld>
     <p:spTree>
       <p:nvGrpSpPr>
-        <p:cNvPr id="322" name="Shape 322"/>
+        <p:cNvPr id="323" name="Shape 323"/>
         <p:cNvGrpSpPr/>
         <p:nvPr/>
       </p:nvGrpSpPr>
@@ -25967,7 +26245,7 @@
       </p:grpSpPr>
       <p:sp>
         <p:nvSpPr>
-          <p:cNvPr id="323" name="Google Shape;323;p32"/>
+          <p:cNvPr id="324" name="Google Shape;324;p32"/>
           <p:cNvSpPr/>
           <p:nvPr/>
         </p:nvSpPr>
@@ -26026,14 +26304,14 @@
       </p:sp>
       <p:sp>
         <p:nvSpPr>
-          <p:cNvPr id="324" name="Google Shape;324;p32"/>
+          <p:cNvPr id="325" name="Google Shape;325;p32"/>
           <p:cNvSpPr txBox="1"/>
           <p:nvPr/>
         </p:nvSpPr>
         <p:spPr>
           <a:xfrm>
             <a:off x="8619565" y="6524381"/>
-            <a:ext cx="3189300" cy="230700"/>
+            <a:ext cx="3189300" cy="507900"/>
           </a:xfrm>
           <a:prstGeom prst="rect">
             <a:avLst/>
@@ -26049,6 +26327,57 @@
           </a:bodyPr>
           <a:lstStyle/>
           <a:p>
+            <a:pPr indent="0" lvl="0" marL="0" rtl="0" algn="r">
+              <a:spcBef>
+                <a:spcPts val="0"/>
+              </a:spcBef>
+              <a:spcAft>
+                <a:spcPts val="0"/>
+              </a:spcAft>
+              <a:buClr>
+                <a:schemeClr val="dk1"/>
+              </a:buClr>
+              <a:buFont typeface="Arial"/>
+              <a:buNone/>
+            </a:pPr>
+            <a:r>
+              <a:rPr lang="en-US" sz="900">
+                <a:solidFill>
+                  <a:schemeClr val="lt1"/>
+                </a:solidFill>
+              </a:rPr>
+              <a:t>Contributor: Yunqian Bao</a:t>
+            </a:r>
+            <a:endParaRPr>
+              <a:solidFill>
+                <a:schemeClr val="dk1"/>
+              </a:solidFill>
+            </a:endParaRPr>
+          </a:p>
+          <a:p>
+            <a:pPr indent="0" lvl="0" marL="0" rtl="0" algn="r">
+              <a:spcBef>
+                <a:spcPts val="0"/>
+              </a:spcBef>
+              <a:spcAft>
+                <a:spcPts val="0"/>
+              </a:spcAft>
+              <a:buClr>
+                <a:schemeClr val="dk1"/>
+              </a:buClr>
+              <a:buFont typeface="Arial"/>
+              <a:buNone/>
+            </a:pPr>
+            <a:r>
+              <a:t/>
+            </a:r>
+            <a:endParaRPr sz="900">
+              <a:solidFill>
+                <a:schemeClr val="lt1"/>
+              </a:solidFill>
+            </a:endParaRPr>
+          </a:p>
+          <a:p>
             <a:pPr indent="0" lvl="0" marL="0" marR="0" rtl="0" algn="r">
               <a:lnSpc>
                 <a:spcPct val="100000"/>
@@ -26062,24 +26391,19 @@
               <a:buNone/>
             </a:pPr>
             <a:r>
-              <a:rPr b="0" i="0" lang="en-US" sz="900" u="none" cap="none" strike="noStrike">
-                <a:solidFill>
-                  <a:schemeClr val="lt1"/>
-                </a:solidFill>
-                <a:latin typeface="Arial"/>
-                <a:ea typeface="Arial"/>
-                <a:cs typeface="Arial"/>
-                <a:sym typeface="Arial"/>
-              </a:rPr>
-              <a:t>XU YAN, YUNQIAN BAO, ZHICONG FAN</a:t>
-            </a:r>
-            <a:endParaRPr/>
+              <a:t/>
+            </a:r>
+            <a:endParaRPr sz="900">
+              <a:solidFill>
+                <a:schemeClr val="lt1"/>
+              </a:solidFill>
+            </a:endParaRPr>
           </a:p>
         </p:txBody>
       </p:sp>
       <p:sp>
         <p:nvSpPr>
-          <p:cNvPr id="325" name="Google Shape;325;p32"/>
+          <p:cNvPr id="326" name="Google Shape;326;p32"/>
           <p:cNvSpPr/>
           <p:nvPr/>
         </p:nvSpPr>
@@ -26138,7 +26462,7 @@
       </p:sp>
       <p:pic>
         <p:nvPicPr>
-          <p:cNvPr descr="A close up of a logo&#10;&#10;Description automatically generated" id="326" name="Google Shape;326;p32"/>
+          <p:cNvPr descr="A close up of a logo&#10;&#10;Description automatically generated" id="327" name="Google Shape;327;p32"/>
           <p:cNvPicPr preferRelativeResize="0"/>
           <p:nvPr/>
         </p:nvPicPr>
@@ -26165,7 +26489,7 @@
       </p:pic>
       <p:sp>
         <p:nvSpPr>
-          <p:cNvPr id="327" name="Google Shape;327;p32"/>
+          <p:cNvPr id="328" name="Google Shape;328;p32"/>
           <p:cNvSpPr txBox="1"/>
           <p:nvPr/>
         </p:nvSpPr>
@@ -26219,7 +26543,7 @@
       </p:sp>
       <p:sp>
         <p:nvSpPr>
-          <p:cNvPr id="328" name="Google Shape;328;p32"/>
+          <p:cNvPr id="329" name="Google Shape;329;p32"/>
           <p:cNvSpPr txBox="1"/>
           <p:nvPr/>
         </p:nvSpPr>
@@ -26272,7 +26596,7 @@
       </p:sp>
       <p:sp>
         <p:nvSpPr>
-          <p:cNvPr id="329" name="Google Shape;329;p32"/>
+          <p:cNvPr id="330" name="Google Shape;330;p32"/>
           <p:cNvSpPr txBox="1"/>
           <p:nvPr>
             <p:ph idx="1" type="body"/>
@@ -26719,7 +27043,7 @@
       </p:sp>
       <p:pic>
         <p:nvPicPr>
-          <p:cNvPr id="330" name="Google Shape;330;p32"/>
+          <p:cNvPr id="331" name="Google Shape;331;p32"/>
           <p:cNvPicPr preferRelativeResize="0"/>
           <p:nvPr/>
         </p:nvPicPr>
@@ -26758,7 +27082,7 @@
   <p:cSld>
     <p:spTree>
       <p:nvGrpSpPr>
-        <p:cNvPr id="334" name="Shape 334"/>
+        <p:cNvPr id="335" name="Shape 335"/>
         <p:cNvGrpSpPr/>
         <p:nvPr/>
       </p:nvGrpSpPr>
@@ -26772,7 +27096,7 @@
       </p:grpSpPr>
       <p:sp>
         <p:nvSpPr>
-          <p:cNvPr id="335" name="Google Shape;335;p33"/>
+          <p:cNvPr id="336" name="Google Shape;336;p33"/>
           <p:cNvSpPr/>
           <p:nvPr/>
         </p:nvSpPr>
@@ -26831,7 +27155,7 @@
       </p:sp>
       <p:pic>
         <p:nvPicPr>
-          <p:cNvPr descr="A picture containing building, street&#10;&#10;Description automatically generated" id="336" name="Google Shape;336;p33"/>
+          <p:cNvPr descr="A picture containing building, street&#10;&#10;Description automatically generated" id="337" name="Google Shape;337;p33"/>
           <p:cNvPicPr preferRelativeResize="0"/>
           <p:nvPr/>
         </p:nvPicPr>
@@ -26858,7 +27182,7 @@
       </p:pic>
       <p:pic>
         <p:nvPicPr>
-          <p:cNvPr descr="A close up of a logo&#10;&#10;Description automatically generated" id="337" name="Google Shape;337;p33"/>
+          <p:cNvPr descr="A close up of a logo&#10;&#10;Description automatically generated" id="338" name="Google Shape;338;p33"/>
           <p:cNvPicPr preferRelativeResize="0"/>
           <p:nvPr/>
         </p:nvPicPr>
@@ -26885,7 +27209,7 @@
       </p:pic>
       <p:sp>
         <p:nvSpPr>
-          <p:cNvPr id="338" name="Google Shape;338;p33"/>
+          <p:cNvPr id="339" name="Google Shape;339;p33"/>
           <p:cNvSpPr txBox="1"/>
           <p:nvPr/>
         </p:nvSpPr>
@@ -26973,7 +27297,7 @@
       </p:sp>
       <p:sp>
         <p:nvSpPr>
-          <p:cNvPr id="339" name="Google Shape;339;p33"/>
+          <p:cNvPr id="340" name="Google Shape;340;p33"/>
           <p:cNvSpPr/>
           <p:nvPr/>
         </p:nvSpPr>
@@ -27032,7 +27356,7 @@
       </p:sp>
       <p:sp>
         <p:nvSpPr>
-          <p:cNvPr id="340" name="Google Shape;340;p33"/>
+          <p:cNvPr id="341" name="Google Shape;341;p33"/>
           <p:cNvSpPr txBox="1"/>
           <p:nvPr/>
         </p:nvSpPr>
@@ -27085,7 +27409,7 @@
       </p:sp>
       <p:sp>
         <p:nvSpPr>
-          <p:cNvPr id="341" name="Google Shape;341;p33"/>
+          <p:cNvPr id="342" name="Google Shape;342;p33"/>
           <p:cNvSpPr txBox="1"/>
           <p:nvPr/>
         </p:nvSpPr>
@@ -27149,7 +27473,7 @@
   <p:cSld>
     <p:spTree>
       <p:nvGrpSpPr>
-        <p:cNvPr id="345" name="Shape 345"/>
+        <p:cNvPr id="346" name="Shape 346"/>
         <p:cNvGrpSpPr/>
         <p:nvPr/>
       </p:nvGrpSpPr>
@@ -27163,7 +27487,7 @@
       </p:grpSpPr>
       <p:sp>
         <p:nvSpPr>
-          <p:cNvPr id="346" name="Google Shape;346;p34"/>
+          <p:cNvPr id="347" name="Google Shape;347;p34"/>
           <p:cNvSpPr/>
           <p:nvPr/>
         </p:nvSpPr>
@@ -27222,14 +27546,14 @@
       </p:sp>
       <p:sp>
         <p:nvSpPr>
-          <p:cNvPr id="347" name="Google Shape;347;p34"/>
+          <p:cNvPr id="348" name="Google Shape;348;p34"/>
           <p:cNvSpPr txBox="1"/>
           <p:nvPr/>
         </p:nvSpPr>
         <p:spPr>
           <a:xfrm>
             <a:off x="8619565" y="6524381"/>
-            <a:ext cx="3189300" cy="230700"/>
+            <a:ext cx="3189300" cy="507900"/>
           </a:xfrm>
           <a:prstGeom prst="rect">
             <a:avLst/>
@@ -27245,6 +27569,57 @@
           </a:bodyPr>
           <a:lstStyle/>
           <a:p>
+            <a:pPr indent="0" lvl="0" marL="0" rtl="0" algn="r">
+              <a:spcBef>
+                <a:spcPts val="0"/>
+              </a:spcBef>
+              <a:spcAft>
+                <a:spcPts val="0"/>
+              </a:spcAft>
+              <a:buClr>
+                <a:schemeClr val="dk1"/>
+              </a:buClr>
+              <a:buFont typeface="Arial"/>
+              <a:buNone/>
+            </a:pPr>
+            <a:r>
+              <a:rPr lang="en-US" sz="900">
+                <a:solidFill>
+                  <a:schemeClr val="lt1"/>
+                </a:solidFill>
+              </a:rPr>
+              <a:t>Contributor: Zhicong Fan</a:t>
+            </a:r>
+            <a:endParaRPr>
+              <a:solidFill>
+                <a:schemeClr val="dk1"/>
+              </a:solidFill>
+            </a:endParaRPr>
+          </a:p>
+          <a:p>
+            <a:pPr indent="0" lvl="0" marL="0" rtl="0" algn="r">
+              <a:spcBef>
+                <a:spcPts val="0"/>
+              </a:spcBef>
+              <a:spcAft>
+                <a:spcPts val="0"/>
+              </a:spcAft>
+              <a:buClr>
+                <a:schemeClr val="dk1"/>
+              </a:buClr>
+              <a:buFont typeface="Arial"/>
+              <a:buNone/>
+            </a:pPr>
+            <a:r>
+              <a:t/>
+            </a:r>
+            <a:endParaRPr sz="900">
+              <a:solidFill>
+                <a:schemeClr val="lt1"/>
+              </a:solidFill>
+            </a:endParaRPr>
+          </a:p>
+          <a:p>
             <a:pPr indent="0" lvl="0" marL="0" marR="0" rtl="0" algn="r">
               <a:lnSpc>
                 <a:spcPct val="100000"/>
@@ -27258,24 +27633,19 @@
               <a:buNone/>
             </a:pPr>
             <a:r>
-              <a:rPr b="0" i="0" lang="en-US" sz="900" u="none" cap="none" strike="noStrike">
-                <a:solidFill>
-                  <a:schemeClr val="lt1"/>
-                </a:solidFill>
-                <a:latin typeface="Arial"/>
-                <a:ea typeface="Arial"/>
-                <a:cs typeface="Arial"/>
-                <a:sym typeface="Arial"/>
-              </a:rPr>
-              <a:t>XU YAN, YUNQIAN BAO, ZHICONG FAN</a:t>
-            </a:r>
-            <a:endParaRPr/>
+              <a:t/>
+            </a:r>
+            <a:endParaRPr sz="900">
+              <a:solidFill>
+                <a:schemeClr val="lt1"/>
+              </a:solidFill>
+            </a:endParaRPr>
           </a:p>
         </p:txBody>
       </p:sp>
       <p:sp>
         <p:nvSpPr>
-          <p:cNvPr id="348" name="Google Shape;348;p34"/>
+          <p:cNvPr id="349" name="Google Shape;349;p34"/>
           <p:cNvSpPr/>
           <p:nvPr/>
         </p:nvSpPr>
@@ -27334,7 +27704,7 @@
       </p:sp>
       <p:pic>
         <p:nvPicPr>
-          <p:cNvPr descr="A close up of a logo&#10;&#10;Description automatically generated" id="349" name="Google Shape;349;p34"/>
+          <p:cNvPr descr="A close up of a logo&#10;&#10;Description automatically generated" id="350" name="Google Shape;350;p34"/>
           <p:cNvPicPr preferRelativeResize="0"/>
           <p:nvPr/>
         </p:nvPicPr>
@@ -27361,7 +27731,7 @@
       </p:pic>
       <p:sp>
         <p:nvSpPr>
-          <p:cNvPr id="350" name="Google Shape;350;p34"/>
+          <p:cNvPr id="351" name="Google Shape;351;p34"/>
           <p:cNvSpPr txBox="1"/>
           <p:nvPr/>
         </p:nvSpPr>
@@ -27415,7 +27785,7 @@
       </p:sp>
       <p:sp>
         <p:nvSpPr>
-          <p:cNvPr id="351" name="Google Shape;351;p34"/>
+          <p:cNvPr id="352" name="Google Shape;352;p34"/>
           <p:cNvSpPr txBox="1"/>
           <p:nvPr/>
         </p:nvSpPr>
@@ -27468,7 +27838,7 @@
       </p:sp>
       <p:sp>
         <p:nvSpPr>
-          <p:cNvPr id="352" name="Google Shape;352;p34"/>
+          <p:cNvPr id="353" name="Google Shape;353;p34"/>
           <p:cNvSpPr txBox="1"/>
           <p:nvPr>
             <p:ph idx="1" type="body"/>
@@ -27849,7 +28219,7 @@
   <p:cSld>
     <p:spTree>
       <p:nvGrpSpPr>
-        <p:cNvPr id="356" name="Shape 356"/>
+        <p:cNvPr id="357" name="Shape 357"/>
         <p:cNvGrpSpPr/>
         <p:nvPr/>
       </p:nvGrpSpPr>
@@ -27863,7 +28233,7 @@
       </p:grpSpPr>
       <p:sp>
         <p:nvSpPr>
-          <p:cNvPr id="357" name="Google Shape;357;p35"/>
+          <p:cNvPr id="358" name="Google Shape;358;p35"/>
           <p:cNvSpPr/>
           <p:nvPr/>
         </p:nvSpPr>
@@ -27922,14 +28292,14 @@
       </p:sp>
       <p:sp>
         <p:nvSpPr>
-          <p:cNvPr id="358" name="Google Shape;358;p35"/>
+          <p:cNvPr id="359" name="Google Shape;359;p35"/>
           <p:cNvSpPr txBox="1"/>
           <p:nvPr/>
         </p:nvSpPr>
         <p:spPr>
           <a:xfrm>
             <a:off x="8619565" y="6524381"/>
-            <a:ext cx="3189300" cy="230700"/>
+            <a:ext cx="3189300" cy="507900"/>
           </a:xfrm>
           <a:prstGeom prst="rect">
             <a:avLst/>
@@ -27945,6 +28315,57 @@
           </a:bodyPr>
           <a:lstStyle/>
           <a:p>
+            <a:pPr indent="0" lvl="0" marL="0" rtl="0" algn="r">
+              <a:spcBef>
+                <a:spcPts val="0"/>
+              </a:spcBef>
+              <a:spcAft>
+                <a:spcPts val="0"/>
+              </a:spcAft>
+              <a:buClr>
+                <a:schemeClr val="dk1"/>
+              </a:buClr>
+              <a:buFont typeface="Arial"/>
+              <a:buNone/>
+            </a:pPr>
+            <a:r>
+              <a:rPr lang="en-US" sz="900">
+                <a:solidFill>
+                  <a:schemeClr val="lt1"/>
+                </a:solidFill>
+              </a:rPr>
+              <a:t>Contributor: Noam Yan</a:t>
+            </a:r>
+            <a:endParaRPr>
+              <a:solidFill>
+                <a:schemeClr val="dk1"/>
+              </a:solidFill>
+            </a:endParaRPr>
+          </a:p>
+          <a:p>
+            <a:pPr indent="0" lvl="0" marL="0" rtl="0" algn="r">
+              <a:spcBef>
+                <a:spcPts val="0"/>
+              </a:spcBef>
+              <a:spcAft>
+                <a:spcPts val="0"/>
+              </a:spcAft>
+              <a:buClr>
+                <a:schemeClr val="dk1"/>
+              </a:buClr>
+              <a:buFont typeface="Arial"/>
+              <a:buNone/>
+            </a:pPr>
+            <a:r>
+              <a:t/>
+            </a:r>
+            <a:endParaRPr sz="900">
+              <a:solidFill>
+                <a:schemeClr val="lt1"/>
+              </a:solidFill>
+            </a:endParaRPr>
+          </a:p>
+          <a:p>
             <a:pPr indent="0" lvl="0" marL="0" marR="0" rtl="0" algn="r">
               <a:lnSpc>
                 <a:spcPct val="100000"/>
@@ -27958,24 +28379,19 @@
               <a:buNone/>
             </a:pPr>
             <a:r>
-              <a:rPr b="0" i="0" lang="en-US" sz="900" u="none" cap="none" strike="noStrike">
-                <a:solidFill>
-                  <a:schemeClr val="lt1"/>
-                </a:solidFill>
-                <a:latin typeface="Arial"/>
-                <a:ea typeface="Arial"/>
-                <a:cs typeface="Arial"/>
-                <a:sym typeface="Arial"/>
-              </a:rPr>
-              <a:t>XU YAN, YUNQIAN BAO, ZHICONG FAN</a:t>
-            </a:r>
-            <a:endParaRPr/>
+              <a:t/>
+            </a:r>
+            <a:endParaRPr sz="900">
+              <a:solidFill>
+                <a:schemeClr val="lt1"/>
+              </a:solidFill>
+            </a:endParaRPr>
           </a:p>
         </p:txBody>
       </p:sp>
       <p:sp>
         <p:nvSpPr>
-          <p:cNvPr id="359" name="Google Shape;359;p35"/>
+          <p:cNvPr id="360" name="Google Shape;360;p35"/>
           <p:cNvSpPr/>
           <p:nvPr/>
         </p:nvSpPr>
@@ -28034,7 +28450,7 @@
       </p:sp>
       <p:pic>
         <p:nvPicPr>
-          <p:cNvPr descr="A close up of a logo&#10;&#10;Description automatically generated" id="360" name="Google Shape;360;p35"/>
+          <p:cNvPr descr="A close up of a logo&#10;&#10;Description automatically generated" id="361" name="Google Shape;361;p35"/>
           <p:cNvPicPr preferRelativeResize="0"/>
           <p:nvPr/>
         </p:nvPicPr>
@@ -28061,7 +28477,7 @@
       </p:pic>
       <p:sp>
         <p:nvSpPr>
-          <p:cNvPr id="361" name="Google Shape;361;p35"/>
+          <p:cNvPr id="362" name="Google Shape;362;p35"/>
           <p:cNvSpPr txBox="1"/>
           <p:nvPr/>
         </p:nvSpPr>
@@ -28115,7 +28531,7 @@
       </p:sp>
       <p:sp>
         <p:nvSpPr>
-          <p:cNvPr id="362" name="Google Shape;362;p35"/>
+          <p:cNvPr id="363" name="Google Shape;363;p35"/>
           <p:cNvSpPr txBox="1"/>
           <p:nvPr/>
         </p:nvSpPr>
@@ -28168,7 +28584,7 @@
       </p:sp>
       <p:sp>
         <p:nvSpPr>
-          <p:cNvPr id="363" name="Google Shape;363;p35"/>
+          <p:cNvPr id="364" name="Google Shape;364;p35"/>
           <p:cNvSpPr txBox="1"/>
           <p:nvPr>
             <p:ph idx="1" type="body"/>
@@ -28542,7 +28958,7 @@
       </p:sp>
       <p:sp>
         <p:nvSpPr>
-          <p:cNvPr id="364" name="Google Shape;364;p35"/>
+          <p:cNvPr id="365" name="Google Shape;365;p35"/>
           <p:cNvSpPr txBox="1"/>
           <p:nvPr/>
         </p:nvSpPr>
@@ -28848,7 +29264,7 @@
       </p:sp>
       <p:sp>
         <p:nvSpPr>
-          <p:cNvPr id="365" name="Google Shape;365;p35"/>
+          <p:cNvPr id="366" name="Google Shape;366;p35"/>
           <p:cNvSpPr txBox="1"/>
           <p:nvPr/>
         </p:nvSpPr>
@@ -29096,7 +29512,7 @@
       </p:sp>
       <p:pic>
         <p:nvPicPr>
-          <p:cNvPr id="366" name="Google Shape;366;p35"/>
+          <p:cNvPr id="367" name="Google Shape;367;p35"/>
           <p:cNvPicPr preferRelativeResize="0"/>
           <p:nvPr/>
         </p:nvPicPr>
@@ -29124,7 +29540,7 @@
       </p:pic>
       <p:sp>
         <p:nvSpPr>
-          <p:cNvPr id="367" name="Google Shape;367;p35"/>
+          <p:cNvPr id="368" name="Google Shape;368;p35"/>
           <p:cNvSpPr txBox="1"/>
           <p:nvPr/>
         </p:nvSpPr>
@@ -29249,7 +29665,7 @@
                                           </p:stCondLst>
                                         </p:cTn>
                                         <p:tgtEl>
-                                          <p:spTgt spid="366"/>
+                                          <p:spTgt spid="367"/>
                                         </p:tgtEl>
                                         <p:attrNameLst>
                                           <p:attrName>style.visibility</p:attrName>
@@ -29263,7 +29679,7 @@
                                       <p:cBhvr additive="base">
                                         <p:cTn dur="1000"/>
                                         <p:tgtEl>
-                                          <p:spTgt spid="366"/>
+                                          <p:spTgt spid="367"/>
                                         </p:tgtEl>
                                         <p:attrNameLst>
                                           <p:attrName>ppt_x</p:attrName>
@@ -29299,7 +29715,7 @@
                                           </p:stCondLst>
                                         </p:cTn>
                                         <p:tgtEl>
-                                          <p:spTgt spid="367"/>
+                                          <p:spTgt spid="368"/>
                                         </p:tgtEl>
                                         <p:attrNameLst>
                                           <p:attrName>style.visibility</p:attrName>
@@ -29313,7 +29729,7 @@
                                       <p:cBhvr additive="base">
                                         <p:cTn dur="1000"/>
                                         <p:tgtEl>
-                                          <p:spTgt spid="367"/>
+                                          <p:spTgt spid="368"/>
                                         </p:tgtEl>
                                         <p:attrNameLst>
                                           <p:attrName>ppt_y</p:attrName>
@@ -29371,7 +29787,7 @@
   <p:cSld>
     <p:spTree>
       <p:nvGrpSpPr>
-        <p:cNvPr id="371" name="Shape 371"/>
+        <p:cNvPr id="372" name="Shape 372"/>
         <p:cNvGrpSpPr/>
         <p:nvPr/>
       </p:nvGrpSpPr>
@@ -29385,7 +29801,7 @@
       </p:grpSpPr>
       <p:sp>
         <p:nvSpPr>
-          <p:cNvPr id="372" name="Google Shape;372;p36"/>
+          <p:cNvPr id="373" name="Google Shape;373;p36"/>
           <p:cNvSpPr/>
           <p:nvPr/>
         </p:nvSpPr>
@@ -29444,14 +29860,14 @@
       </p:sp>
       <p:sp>
         <p:nvSpPr>
-          <p:cNvPr id="373" name="Google Shape;373;p36"/>
+          <p:cNvPr id="374" name="Google Shape;374;p36"/>
           <p:cNvSpPr txBox="1"/>
           <p:nvPr/>
         </p:nvSpPr>
         <p:spPr>
           <a:xfrm>
             <a:off x="8619565" y="6524381"/>
-            <a:ext cx="3189300" cy="230700"/>
+            <a:ext cx="3189300" cy="507900"/>
           </a:xfrm>
           <a:prstGeom prst="rect">
             <a:avLst/>
@@ -29467,6 +29883,57 @@
           </a:bodyPr>
           <a:lstStyle/>
           <a:p>
+            <a:pPr indent="0" lvl="0" marL="0" rtl="0" algn="r">
+              <a:spcBef>
+                <a:spcPts val="0"/>
+              </a:spcBef>
+              <a:spcAft>
+                <a:spcPts val="0"/>
+              </a:spcAft>
+              <a:buClr>
+                <a:schemeClr val="dk1"/>
+              </a:buClr>
+              <a:buFont typeface="Arial"/>
+              <a:buNone/>
+            </a:pPr>
+            <a:r>
+              <a:rPr lang="en-US" sz="900">
+                <a:solidFill>
+                  <a:schemeClr val="lt1"/>
+                </a:solidFill>
+              </a:rPr>
+              <a:t>Contributor: Yunqian Bao</a:t>
+            </a:r>
+            <a:endParaRPr>
+              <a:solidFill>
+                <a:schemeClr val="dk1"/>
+              </a:solidFill>
+            </a:endParaRPr>
+          </a:p>
+          <a:p>
+            <a:pPr indent="0" lvl="0" marL="0" rtl="0" algn="r">
+              <a:spcBef>
+                <a:spcPts val="0"/>
+              </a:spcBef>
+              <a:spcAft>
+                <a:spcPts val="0"/>
+              </a:spcAft>
+              <a:buClr>
+                <a:schemeClr val="dk1"/>
+              </a:buClr>
+              <a:buFont typeface="Arial"/>
+              <a:buNone/>
+            </a:pPr>
+            <a:r>
+              <a:t/>
+            </a:r>
+            <a:endParaRPr sz="900">
+              <a:solidFill>
+                <a:schemeClr val="lt1"/>
+              </a:solidFill>
+            </a:endParaRPr>
+          </a:p>
+          <a:p>
             <a:pPr indent="0" lvl="0" marL="0" marR="0" rtl="0" algn="r">
               <a:lnSpc>
                 <a:spcPct val="100000"/>
@@ -29480,24 +29947,19 @@
               <a:buNone/>
             </a:pPr>
             <a:r>
-              <a:rPr b="0" i="0" lang="en-US" sz="900" u="none" cap="none" strike="noStrike">
-                <a:solidFill>
-                  <a:schemeClr val="lt1"/>
-                </a:solidFill>
-                <a:latin typeface="Arial"/>
-                <a:ea typeface="Arial"/>
-                <a:cs typeface="Arial"/>
-                <a:sym typeface="Arial"/>
-              </a:rPr>
-              <a:t>XU YAN, YUNQIAN BAO, ZHICONG FAN</a:t>
-            </a:r>
-            <a:endParaRPr/>
+              <a:t/>
+            </a:r>
+            <a:endParaRPr sz="900">
+              <a:solidFill>
+                <a:schemeClr val="lt1"/>
+              </a:solidFill>
+            </a:endParaRPr>
           </a:p>
         </p:txBody>
       </p:sp>
       <p:sp>
         <p:nvSpPr>
-          <p:cNvPr id="374" name="Google Shape;374;p36"/>
+          <p:cNvPr id="375" name="Google Shape;375;p36"/>
           <p:cNvSpPr/>
           <p:nvPr/>
         </p:nvSpPr>
@@ -29556,7 +30018,7 @@
       </p:sp>
       <p:pic>
         <p:nvPicPr>
-          <p:cNvPr descr="A close up of a logo&#10;&#10;Description automatically generated" id="375" name="Google Shape;375;p36"/>
+          <p:cNvPr descr="A close up of a logo&#10;&#10;Description automatically generated" id="376" name="Google Shape;376;p36"/>
           <p:cNvPicPr preferRelativeResize="0"/>
           <p:nvPr/>
         </p:nvPicPr>
@@ -29583,7 +30045,7 @@
       </p:pic>
       <p:sp>
         <p:nvSpPr>
-          <p:cNvPr id="376" name="Google Shape;376;p36"/>
+          <p:cNvPr id="377" name="Google Shape;377;p36"/>
           <p:cNvSpPr txBox="1"/>
           <p:nvPr/>
         </p:nvSpPr>
@@ -29637,7 +30099,7 @@
       </p:sp>
       <p:sp>
         <p:nvSpPr>
-          <p:cNvPr id="377" name="Google Shape;377;p36"/>
+          <p:cNvPr id="378" name="Google Shape;378;p36"/>
           <p:cNvSpPr txBox="1"/>
           <p:nvPr/>
         </p:nvSpPr>
@@ -29690,7 +30152,7 @@
       </p:sp>
       <p:sp>
         <p:nvSpPr>
-          <p:cNvPr id="378" name="Google Shape;378;p36"/>
+          <p:cNvPr id="379" name="Google Shape;379;p36"/>
           <p:cNvSpPr txBox="1"/>
           <p:nvPr>
             <p:ph idx="1" type="body"/>
@@ -30034,7 +30496,7 @@
       </p:sp>
       <p:sp>
         <p:nvSpPr>
-          <p:cNvPr id="379" name="Google Shape;379;p36"/>
+          <p:cNvPr id="380" name="Google Shape;380;p36"/>
           <p:cNvSpPr txBox="1"/>
           <p:nvPr/>
         </p:nvSpPr>
@@ -30337,7 +30799,7 @@
       </p:sp>
       <p:sp>
         <p:nvSpPr>
-          <p:cNvPr id="380" name="Google Shape;380;p36"/>
+          <p:cNvPr id="381" name="Google Shape;381;p36"/>
           <p:cNvSpPr txBox="1"/>
           <p:nvPr/>
         </p:nvSpPr>
@@ -30542,7 +31004,7 @@
       </p:sp>
       <p:pic>
         <p:nvPicPr>
-          <p:cNvPr id="381" name="Google Shape;381;p36"/>
+          <p:cNvPr id="382" name="Google Shape;382;p36"/>
           <p:cNvPicPr preferRelativeResize="0"/>
           <p:nvPr/>
         </p:nvPicPr>
@@ -30570,7 +31032,7 @@
       </p:pic>
       <p:sp>
         <p:nvSpPr>
-          <p:cNvPr id="382" name="Google Shape;382;p36"/>
+          <p:cNvPr id="383" name="Google Shape;383;p36"/>
           <p:cNvSpPr txBox="1"/>
           <p:nvPr/>
         </p:nvSpPr>
@@ -30640,7 +31102,7 @@
       </p:sp>
       <p:pic>
         <p:nvPicPr>
-          <p:cNvPr id="383" name="Google Shape;383;p36"/>
+          <p:cNvPr id="384" name="Google Shape;384;p36"/>
           <p:cNvPicPr preferRelativeResize="0"/>
           <p:nvPr/>
         </p:nvPicPr>
@@ -30705,7 +31167,7 @@
                                           </p:stCondLst>
                                         </p:cTn>
                                         <p:tgtEl>
-                                          <p:spTgt spid="381"/>
+                                          <p:spTgt spid="382"/>
                                         </p:tgtEl>
                                         <p:attrNameLst>
                                           <p:attrName>style.visibility</p:attrName>
@@ -30719,7 +31181,7 @@
                                       <p:cBhvr>
                                         <p:cTn dur="1000"/>
                                         <p:tgtEl>
-                                          <p:spTgt spid="381"/>
+                                          <p:spTgt spid="382"/>
                                         </p:tgtEl>
                                       </p:cBhvr>
                                     </p:animEffect>
@@ -30740,7 +31202,7 @@
                                           </p:stCondLst>
                                         </p:cTn>
                                         <p:tgtEl>
-                                          <p:spTgt spid="382"/>
+                                          <p:spTgt spid="383"/>
                                         </p:tgtEl>
                                         <p:attrNameLst>
                                           <p:attrName>style.visibility</p:attrName>
@@ -30754,7 +31216,7 @@
                                       <p:cBhvr>
                                         <p:cTn dur="1000"/>
                                         <p:tgtEl>
-                                          <p:spTgt spid="382"/>
+                                          <p:spTgt spid="383"/>
                                         </p:tgtEl>
                                       </p:cBhvr>
                                     </p:animEffect>
@@ -30793,7 +31255,7 @@
                                           </p:stCondLst>
                                         </p:cTn>
                                         <p:tgtEl>
-                                          <p:spTgt spid="383"/>
+                                          <p:spTgt spid="384"/>
                                         </p:tgtEl>
                                         <p:attrNameLst>
                                           <p:attrName>style.visibility</p:attrName>
@@ -30807,7 +31269,7 @@
                                       <p:cBhvr>
                                         <p:cTn dur="1000"/>
                                         <p:tgtEl>
-                                          <p:spTgt spid="383"/>
+                                          <p:spTgt spid="384"/>
                                         </p:tgtEl>
                                       </p:cBhvr>
                                     </p:animEffect>
@@ -30828,7 +31290,7 @@
                                           </p:stCondLst>
                                         </p:cTn>
                                         <p:tgtEl>
-                                          <p:spTgt spid="381"/>
+                                          <p:spTgt spid="382"/>
                                         </p:tgtEl>
                                         <p:attrNameLst>
                                           <p:attrName>style.visibility</p:attrName>
@@ -30877,7 +31339,7 @@
   <p:cSld>
     <p:spTree>
       <p:nvGrpSpPr>
-        <p:cNvPr id="387" name="Shape 387"/>
+        <p:cNvPr id="388" name="Shape 388"/>
         <p:cNvGrpSpPr/>
         <p:nvPr/>
       </p:nvGrpSpPr>
@@ -30891,7 +31353,7 @@
       </p:grpSpPr>
       <p:sp>
         <p:nvSpPr>
-          <p:cNvPr id="388" name="Google Shape;388;p37"/>
+          <p:cNvPr id="389" name="Google Shape;389;p37"/>
           <p:cNvSpPr/>
           <p:nvPr/>
         </p:nvSpPr>
@@ -30950,7 +31412,7 @@
       </p:sp>
       <p:pic>
         <p:nvPicPr>
-          <p:cNvPr descr="A picture containing building, street&#10;&#10;Description automatically generated" id="389" name="Google Shape;389;p37"/>
+          <p:cNvPr descr="A picture containing building, street&#10;&#10;Description automatically generated" id="390" name="Google Shape;390;p37"/>
           <p:cNvPicPr preferRelativeResize="0"/>
           <p:nvPr/>
         </p:nvPicPr>
@@ -30977,7 +31439,7 @@
       </p:pic>
       <p:pic>
         <p:nvPicPr>
-          <p:cNvPr descr="A close up of a logo&#10;&#10;Description automatically generated" id="390" name="Google Shape;390;p37"/>
+          <p:cNvPr descr="A close up of a logo&#10;&#10;Description automatically generated" id="391" name="Google Shape;391;p37"/>
           <p:cNvPicPr preferRelativeResize="0"/>
           <p:nvPr/>
         </p:nvPicPr>
@@ -31004,7 +31466,7 @@
       </p:pic>
       <p:sp>
         <p:nvSpPr>
-          <p:cNvPr id="391" name="Google Shape;391;p37"/>
+          <p:cNvPr id="392" name="Google Shape;392;p37"/>
           <p:cNvSpPr txBox="1"/>
           <p:nvPr/>
         </p:nvSpPr>
@@ -31143,7 +31605,7 @@
       </p:sp>
       <p:sp>
         <p:nvSpPr>
-          <p:cNvPr id="392" name="Google Shape;392;p37"/>
+          <p:cNvPr id="393" name="Google Shape;393;p37"/>
           <p:cNvSpPr txBox="1"/>
           <p:nvPr/>
         </p:nvSpPr>
@@ -31219,7 +31681,7 @@
       </p:sp>
       <p:sp>
         <p:nvSpPr>
-          <p:cNvPr id="393" name="Google Shape;393;p37"/>
+          <p:cNvPr id="394" name="Google Shape;394;p37"/>
           <p:cNvSpPr txBox="1"/>
           <p:nvPr/>
         </p:nvSpPr>
@@ -31269,7 +31731,7 @@
       </p:sp>
       <p:sp>
         <p:nvSpPr>
-          <p:cNvPr id="394" name="Google Shape;394;p37"/>
+          <p:cNvPr id="395" name="Google Shape;395;p37"/>
           <p:cNvSpPr txBox="1"/>
           <p:nvPr/>
         </p:nvSpPr>
@@ -31486,7 +31948,7 @@
   <p:cSld>
     <p:spTree>
       <p:nvGrpSpPr>
-        <p:cNvPr id="398" name="Shape 398"/>
+        <p:cNvPr id="399" name="Shape 399"/>
         <p:cNvGrpSpPr/>
         <p:nvPr/>
       </p:nvGrpSpPr>
@@ -31500,7 +31962,7 @@
       </p:grpSpPr>
       <p:sp>
         <p:nvSpPr>
-          <p:cNvPr id="399" name="Google Shape;399;p38"/>
+          <p:cNvPr id="400" name="Google Shape;400;p38"/>
           <p:cNvSpPr/>
           <p:nvPr/>
         </p:nvSpPr>
@@ -31559,7 +32021,7 @@
       </p:sp>
       <p:pic>
         <p:nvPicPr>
-          <p:cNvPr descr="A picture containing building, street&#10;&#10;Description automatically generated" id="400" name="Google Shape;400;p38"/>
+          <p:cNvPr descr="A picture containing building, street&#10;&#10;Description automatically generated" id="401" name="Google Shape;401;p38"/>
           <p:cNvPicPr preferRelativeResize="0"/>
           <p:nvPr/>
         </p:nvPicPr>
@@ -31586,7 +32048,7 @@
       </p:pic>
       <p:pic>
         <p:nvPicPr>
-          <p:cNvPr descr="Graphical user interface, text&#10;&#10;Description automatically generated" id="401" name="Google Shape;401;p38"/>
+          <p:cNvPr descr="Graphical user interface, text&#10;&#10;Description automatically generated" id="402" name="Google Shape;402;p38"/>
           <p:cNvPicPr preferRelativeResize="0"/>
           <p:nvPr/>
         </p:nvPicPr>
@@ -31624,7 +32086,7 @@
   <p:cSld>
     <p:spTree>
       <p:nvGrpSpPr>
-        <p:cNvPr id="100" name="Shape 100"/>
+        <p:cNvPr id="101" name="Shape 101"/>
         <p:cNvGrpSpPr/>
         <p:nvPr/>
       </p:nvGrpSpPr>
@@ -31638,7 +32100,7 @@
       </p:grpSpPr>
       <p:sp>
         <p:nvSpPr>
-          <p:cNvPr id="101" name="Google Shape;101;p14"/>
+          <p:cNvPr id="102" name="Google Shape;102;p14"/>
           <p:cNvSpPr/>
           <p:nvPr/>
         </p:nvSpPr>
@@ -31697,7 +32159,7 @@
       </p:sp>
       <p:pic>
         <p:nvPicPr>
-          <p:cNvPr descr="A picture containing building, street&#10;&#10;Description automatically generated" id="102" name="Google Shape;102;p14"/>
+          <p:cNvPr descr="A picture containing building, street&#10;&#10;Description automatically generated" id="103" name="Google Shape;103;p14"/>
           <p:cNvPicPr preferRelativeResize="0"/>
           <p:nvPr/>
         </p:nvPicPr>
@@ -31724,7 +32186,7 @@
       </p:pic>
       <p:sp>
         <p:nvSpPr>
-          <p:cNvPr id="103" name="Google Shape;103;p14"/>
+          <p:cNvPr id="104" name="Google Shape;104;p14"/>
           <p:cNvSpPr txBox="1"/>
           <p:nvPr/>
         </p:nvSpPr>
@@ -31790,7 +32252,7 @@
       </p:sp>
       <p:pic>
         <p:nvPicPr>
-          <p:cNvPr descr="A close up of a logo&#10;&#10;Description automatically generated" id="104" name="Google Shape;104;p14"/>
+          <p:cNvPr descr="A close up of a logo&#10;&#10;Description automatically generated" id="105" name="Google Shape;105;p14"/>
           <p:cNvPicPr preferRelativeResize="0"/>
           <p:nvPr/>
         </p:nvPicPr>
@@ -31817,7 +32279,7 @@
       </p:pic>
       <p:sp>
         <p:nvSpPr>
-          <p:cNvPr id="105" name="Google Shape;105;p14"/>
+          <p:cNvPr id="106" name="Google Shape;106;p14"/>
           <p:cNvSpPr/>
           <p:nvPr/>
         </p:nvSpPr>
@@ -31876,7 +32338,7 @@
       </p:sp>
       <p:sp>
         <p:nvSpPr>
-          <p:cNvPr id="106" name="Google Shape;106;p14"/>
+          <p:cNvPr id="107" name="Google Shape;107;p14"/>
           <p:cNvSpPr txBox="1"/>
           <p:nvPr/>
         </p:nvSpPr>
@@ -31929,7 +32391,7 @@
       </p:sp>
       <p:sp>
         <p:nvSpPr>
-          <p:cNvPr id="107" name="Google Shape;107;p14"/>
+          <p:cNvPr id="108" name="Google Shape;108;p14"/>
           <p:cNvSpPr txBox="1"/>
           <p:nvPr/>
         </p:nvSpPr>
@@ -31993,7 +32455,7 @@
   <p:cSld>
     <p:spTree>
       <p:nvGrpSpPr>
-        <p:cNvPr id="111" name="Shape 111"/>
+        <p:cNvPr id="112" name="Shape 112"/>
         <p:cNvGrpSpPr/>
         <p:nvPr/>
       </p:nvGrpSpPr>
@@ -32007,7 +32469,7 @@
       </p:grpSpPr>
       <p:sp>
         <p:nvSpPr>
-          <p:cNvPr id="112" name="Google Shape;112;p15"/>
+          <p:cNvPr id="113" name="Google Shape;113;p15"/>
           <p:cNvSpPr txBox="1"/>
           <p:nvPr>
             <p:ph idx="1" type="body"/>
@@ -32140,7 +32602,7 @@
       </p:sp>
       <p:sp>
         <p:nvSpPr>
-          <p:cNvPr id="113" name="Google Shape;113;p15"/>
+          <p:cNvPr id="114" name="Google Shape;114;p15"/>
           <p:cNvSpPr/>
           <p:nvPr/>
         </p:nvSpPr>
@@ -32199,7 +32661,7 @@
       </p:sp>
       <p:sp>
         <p:nvSpPr>
-          <p:cNvPr id="114" name="Google Shape;114;p15"/>
+          <p:cNvPr id="115" name="Google Shape;115;p15"/>
           <p:cNvSpPr txBox="1"/>
           <p:nvPr/>
         </p:nvSpPr>
@@ -32235,6 +32697,14 @@
               <a:buNone/>
             </a:pPr>
             <a:r>
+              <a:rPr lang="en-US" sz="900">
+                <a:solidFill>
+                  <a:schemeClr val="lt1"/>
+                </a:solidFill>
+              </a:rPr>
+              <a:t>Contributor: </a:t>
+            </a:r>
+            <a:r>
               <a:rPr b="0" i="0" lang="en-US" sz="900" u="none" cap="none" strike="noStrike">
                 <a:solidFill>
                   <a:schemeClr val="lt1"/>
@@ -32244,7 +32714,15 @@
                 <a:cs typeface="Arial"/>
                 <a:sym typeface="Arial"/>
               </a:rPr>
-              <a:t>XU YAN, YUNQIAN BAO, ZHICONG FAN</a:t>
+              <a:t>Z</a:t>
+            </a:r>
+            <a:r>
+              <a:rPr lang="en-US" sz="900">
+                <a:solidFill>
+                  <a:schemeClr val="lt1"/>
+                </a:solidFill>
+              </a:rPr>
+              <a:t>hicong Fan</a:t>
             </a:r>
             <a:endParaRPr/>
           </a:p>
@@ -32252,7 +32730,7 @@
       </p:sp>
       <p:sp>
         <p:nvSpPr>
-          <p:cNvPr id="115" name="Google Shape;115;p15"/>
+          <p:cNvPr id="116" name="Google Shape;116;p15"/>
           <p:cNvSpPr/>
           <p:nvPr/>
         </p:nvSpPr>
@@ -32311,7 +32789,7 @@
       </p:sp>
       <p:pic>
         <p:nvPicPr>
-          <p:cNvPr descr="A close up of a logo&#10;&#10;Description automatically generated" id="116" name="Google Shape;116;p15"/>
+          <p:cNvPr descr="A close up of a logo&#10;&#10;Description automatically generated" id="117" name="Google Shape;117;p15"/>
           <p:cNvPicPr preferRelativeResize="0"/>
           <p:nvPr/>
         </p:nvPicPr>
@@ -32338,7 +32816,7 @@
       </p:pic>
       <p:sp>
         <p:nvSpPr>
-          <p:cNvPr id="117" name="Google Shape;117;p15"/>
+          <p:cNvPr id="118" name="Google Shape;118;p15"/>
           <p:cNvSpPr txBox="1"/>
           <p:nvPr/>
         </p:nvSpPr>
@@ -32396,7 +32874,7 @@
       </p:sp>
       <p:sp>
         <p:nvSpPr>
-          <p:cNvPr id="118" name="Google Shape;118;p15"/>
+          <p:cNvPr id="119" name="Google Shape;119;p15"/>
           <p:cNvSpPr txBox="1"/>
           <p:nvPr/>
         </p:nvSpPr>
@@ -32449,7 +32927,7 @@
       </p:sp>
       <p:pic>
         <p:nvPicPr>
-          <p:cNvPr id="119" name="Google Shape;119;p15"/>
+          <p:cNvPr id="120" name="Google Shape;120;p15"/>
           <p:cNvPicPr preferRelativeResize="0"/>
           <p:nvPr/>
         </p:nvPicPr>
@@ -32477,7 +32955,7 @@
       </p:pic>
       <p:pic>
         <p:nvPicPr>
-          <p:cNvPr id="120" name="Google Shape;120;p15"/>
+          <p:cNvPr id="121" name="Google Shape;121;p15"/>
           <p:cNvPicPr preferRelativeResize="0"/>
           <p:nvPr/>
         </p:nvPicPr>
@@ -32516,7 +32994,7 @@
   <p:cSld>
     <p:spTree>
       <p:nvGrpSpPr>
-        <p:cNvPr id="124" name="Shape 124"/>
+        <p:cNvPr id="125" name="Shape 125"/>
         <p:cNvGrpSpPr/>
         <p:nvPr/>
       </p:nvGrpSpPr>
@@ -32530,7 +33008,7 @@
       </p:grpSpPr>
       <p:sp>
         <p:nvSpPr>
-          <p:cNvPr id="125" name="Google Shape;125;p16"/>
+          <p:cNvPr id="126" name="Google Shape;126;p16"/>
           <p:cNvSpPr/>
           <p:nvPr/>
         </p:nvSpPr>
@@ -32589,7 +33067,7 @@
       </p:sp>
       <p:pic>
         <p:nvPicPr>
-          <p:cNvPr descr="A picture containing building, street&#10;&#10;Description automatically generated" id="126" name="Google Shape;126;p16"/>
+          <p:cNvPr descr="A picture containing building, street&#10;&#10;Description automatically generated" id="127" name="Google Shape;127;p16"/>
           <p:cNvPicPr preferRelativeResize="0"/>
           <p:nvPr/>
         </p:nvPicPr>
@@ -32616,7 +33094,7 @@
       </p:pic>
       <p:pic>
         <p:nvPicPr>
-          <p:cNvPr descr="A close up of a logo&#10;&#10;Description automatically generated" id="127" name="Google Shape;127;p16"/>
+          <p:cNvPr descr="A close up of a logo&#10;&#10;Description automatically generated" id="128" name="Google Shape;128;p16"/>
           <p:cNvPicPr preferRelativeResize="0"/>
           <p:nvPr/>
         </p:nvPicPr>
@@ -32643,7 +33121,7 @@
       </p:pic>
       <p:sp>
         <p:nvSpPr>
-          <p:cNvPr id="128" name="Google Shape;128;p16"/>
+          <p:cNvPr id="129" name="Google Shape;129;p16"/>
           <p:cNvSpPr txBox="1"/>
           <p:nvPr/>
         </p:nvSpPr>
@@ -32731,7 +33209,7 @@
       </p:sp>
       <p:sp>
         <p:nvSpPr>
-          <p:cNvPr id="129" name="Google Shape;129;p16"/>
+          <p:cNvPr id="130" name="Google Shape;130;p16"/>
           <p:cNvSpPr/>
           <p:nvPr/>
         </p:nvSpPr>
@@ -32790,7 +33268,7 @@
       </p:sp>
       <p:sp>
         <p:nvSpPr>
-          <p:cNvPr id="130" name="Google Shape;130;p16"/>
+          <p:cNvPr id="131" name="Google Shape;131;p16"/>
           <p:cNvSpPr txBox="1"/>
           <p:nvPr/>
         </p:nvSpPr>
@@ -32843,7 +33321,7 @@
       </p:sp>
       <p:sp>
         <p:nvSpPr>
-          <p:cNvPr id="131" name="Google Shape;131;p16"/>
+          <p:cNvPr id="132" name="Google Shape;132;p16"/>
           <p:cNvSpPr txBox="1"/>
           <p:nvPr/>
         </p:nvSpPr>
@@ -32907,7 +33385,7 @@
   <p:cSld>
     <p:spTree>
       <p:nvGrpSpPr>
-        <p:cNvPr id="135" name="Shape 135"/>
+        <p:cNvPr id="136" name="Shape 136"/>
         <p:cNvGrpSpPr/>
         <p:nvPr/>
       </p:nvGrpSpPr>
@@ -32921,7 +33399,7 @@
       </p:grpSpPr>
       <p:sp>
         <p:nvSpPr>
-          <p:cNvPr id="136" name="Google Shape;136;p17"/>
+          <p:cNvPr id="137" name="Google Shape;137;p17"/>
           <p:cNvSpPr txBox="1"/>
           <p:nvPr>
             <p:ph idx="1" type="body"/>
@@ -33260,7 +33738,7 @@
       </p:sp>
       <p:sp>
         <p:nvSpPr>
-          <p:cNvPr id="137" name="Google Shape;137;p17"/>
+          <p:cNvPr id="138" name="Google Shape;138;p17"/>
           <p:cNvSpPr/>
           <p:nvPr/>
         </p:nvSpPr>
@@ -33319,14 +33797,14 @@
       </p:sp>
       <p:sp>
         <p:nvSpPr>
-          <p:cNvPr id="138" name="Google Shape;138;p17"/>
+          <p:cNvPr id="139" name="Google Shape;139;p17"/>
           <p:cNvSpPr txBox="1"/>
           <p:nvPr/>
         </p:nvSpPr>
         <p:spPr>
           <a:xfrm>
             <a:off x="8619565" y="6524381"/>
-            <a:ext cx="3189300" cy="230700"/>
+            <a:ext cx="3189300" cy="369300"/>
           </a:xfrm>
           <a:prstGeom prst="rect">
             <a:avLst/>
@@ -33342,6 +33820,34 @@
           </a:bodyPr>
           <a:lstStyle/>
           <a:p>
+            <a:pPr indent="0" lvl="0" marL="0" rtl="0" algn="r">
+              <a:spcBef>
+                <a:spcPts val="0"/>
+              </a:spcBef>
+              <a:spcAft>
+                <a:spcPts val="0"/>
+              </a:spcAft>
+              <a:buClr>
+                <a:schemeClr val="dk1"/>
+              </a:buClr>
+              <a:buFont typeface="Arial"/>
+              <a:buNone/>
+            </a:pPr>
+            <a:r>
+              <a:rPr lang="en-US" sz="900">
+                <a:solidFill>
+                  <a:schemeClr val="lt1"/>
+                </a:solidFill>
+              </a:rPr>
+              <a:t>Contributor: Zhicong Fan</a:t>
+            </a:r>
+            <a:endParaRPr>
+              <a:solidFill>
+                <a:schemeClr val="dk1"/>
+              </a:solidFill>
+            </a:endParaRPr>
+          </a:p>
+          <a:p>
             <a:pPr indent="0" lvl="0" marL="0" marR="0" rtl="0" algn="r">
               <a:lnSpc>
                 <a:spcPct val="100000"/>
@@ -33355,24 +33861,19 @@
               <a:buNone/>
             </a:pPr>
             <a:r>
-              <a:rPr b="0" i="0" lang="en-US" sz="900" u="none" cap="none" strike="noStrike">
-                <a:solidFill>
-                  <a:schemeClr val="lt1"/>
-                </a:solidFill>
-                <a:latin typeface="Arial"/>
-                <a:ea typeface="Arial"/>
-                <a:cs typeface="Arial"/>
-                <a:sym typeface="Arial"/>
-              </a:rPr>
-              <a:t>XU YAN, YUNQIAN BAO, ZHICONG FAN</a:t>
-            </a:r>
-            <a:endParaRPr/>
+              <a:t/>
+            </a:r>
+            <a:endParaRPr sz="900">
+              <a:solidFill>
+                <a:schemeClr val="lt1"/>
+              </a:solidFill>
+            </a:endParaRPr>
           </a:p>
         </p:txBody>
       </p:sp>
       <p:sp>
         <p:nvSpPr>
-          <p:cNvPr id="139" name="Google Shape;139;p17"/>
+          <p:cNvPr id="140" name="Google Shape;140;p17"/>
           <p:cNvSpPr/>
           <p:nvPr/>
         </p:nvSpPr>
@@ -33431,7 +33932,7 @@
       </p:sp>
       <p:pic>
         <p:nvPicPr>
-          <p:cNvPr descr="A close up of a logo&#10;&#10;Description automatically generated" id="140" name="Google Shape;140;p17"/>
+          <p:cNvPr descr="A close up of a logo&#10;&#10;Description automatically generated" id="141" name="Google Shape;141;p17"/>
           <p:cNvPicPr preferRelativeResize="0"/>
           <p:nvPr/>
         </p:nvPicPr>
@@ -33458,7 +33959,7 @@
       </p:pic>
       <p:sp>
         <p:nvSpPr>
-          <p:cNvPr id="141" name="Google Shape;141;p17"/>
+          <p:cNvPr id="142" name="Google Shape;142;p17"/>
           <p:cNvSpPr txBox="1"/>
           <p:nvPr/>
         </p:nvSpPr>
@@ -33512,7 +34013,7 @@
       </p:sp>
       <p:sp>
         <p:nvSpPr>
-          <p:cNvPr id="142" name="Google Shape;142;p17"/>
+          <p:cNvPr id="143" name="Google Shape;143;p17"/>
           <p:cNvSpPr txBox="1"/>
           <p:nvPr/>
         </p:nvSpPr>
@@ -33576,7 +34077,7 @@
   <p:cSld>
     <p:spTree>
       <p:nvGrpSpPr>
-        <p:cNvPr id="146" name="Shape 146"/>
+        <p:cNvPr id="147" name="Shape 147"/>
         <p:cNvGrpSpPr/>
         <p:nvPr/>
       </p:nvGrpSpPr>
@@ -33590,7 +34091,7 @@
       </p:grpSpPr>
       <p:sp>
         <p:nvSpPr>
-          <p:cNvPr id="147" name="Google Shape;147;p18"/>
+          <p:cNvPr id="148" name="Google Shape;148;p18"/>
           <p:cNvSpPr txBox="1"/>
           <p:nvPr>
             <p:ph idx="1" type="body"/>
@@ -33853,7 +34354,7 @@
       </p:sp>
       <p:sp>
         <p:nvSpPr>
-          <p:cNvPr id="148" name="Google Shape;148;p18"/>
+          <p:cNvPr id="149" name="Google Shape;149;p18"/>
           <p:cNvSpPr/>
           <p:nvPr/>
         </p:nvSpPr>
@@ -33912,14 +34413,14 @@
       </p:sp>
       <p:sp>
         <p:nvSpPr>
-          <p:cNvPr id="149" name="Google Shape;149;p18"/>
+          <p:cNvPr id="150" name="Google Shape;150;p18"/>
           <p:cNvSpPr txBox="1"/>
           <p:nvPr/>
         </p:nvSpPr>
         <p:spPr>
           <a:xfrm>
             <a:off x="8619565" y="6524381"/>
-            <a:ext cx="3189300" cy="230700"/>
+            <a:ext cx="3189300" cy="369300"/>
           </a:xfrm>
           <a:prstGeom prst="rect">
             <a:avLst/>
@@ -33935,6 +34436,34 @@
           </a:bodyPr>
           <a:lstStyle/>
           <a:p>
+            <a:pPr indent="0" lvl="0" marL="0" rtl="0" algn="r">
+              <a:spcBef>
+                <a:spcPts val="0"/>
+              </a:spcBef>
+              <a:spcAft>
+                <a:spcPts val="0"/>
+              </a:spcAft>
+              <a:buClr>
+                <a:schemeClr val="dk1"/>
+              </a:buClr>
+              <a:buFont typeface="Arial"/>
+              <a:buNone/>
+            </a:pPr>
+            <a:r>
+              <a:rPr lang="en-US" sz="900">
+                <a:solidFill>
+                  <a:schemeClr val="lt1"/>
+                </a:solidFill>
+              </a:rPr>
+              <a:t>Contributor: Zhicong Fan</a:t>
+            </a:r>
+            <a:endParaRPr>
+              <a:solidFill>
+                <a:schemeClr val="dk1"/>
+              </a:solidFill>
+            </a:endParaRPr>
+          </a:p>
+          <a:p>
             <a:pPr indent="0" lvl="0" marL="0" marR="0" rtl="0" algn="r">
               <a:lnSpc>
                 <a:spcPct val="100000"/>
@@ -33948,24 +34477,19 @@
               <a:buNone/>
             </a:pPr>
             <a:r>
-              <a:rPr b="0" i="0" lang="en-US" sz="900" u="none" cap="none" strike="noStrike">
-                <a:solidFill>
-                  <a:schemeClr val="lt1"/>
-                </a:solidFill>
-                <a:latin typeface="Arial"/>
-                <a:ea typeface="Arial"/>
-                <a:cs typeface="Arial"/>
-                <a:sym typeface="Arial"/>
-              </a:rPr>
-              <a:t>XU YAN, YUNQIAN BAO, ZHICONG FAN</a:t>
-            </a:r>
-            <a:endParaRPr/>
+              <a:t/>
+            </a:r>
+            <a:endParaRPr sz="900">
+              <a:solidFill>
+                <a:schemeClr val="lt1"/>
+              </a:solidFill>
+            </a:endParaRPr>
           </a:p>
         </p:txBody>
       </p:sp>
       <p:sp>
         <p:nvSpPr>
-          <p:cNvPr id="150" name="Google Shape;150;p18"/>
+          <p:cNvPr id="151" name="Google Shape;151;p18"/>
           <p:cNvSpPr/>
           <p:nvPr/>
         </p:nvSpPr>
@@ -34024,7 +34548,7 @@
       </p:sp>
       <p:pic>
         <p:nvPicPr>
-          <p:cNvPr descr="A close up of a logo&#10;&#10;Description automatically generated" id="151" name="Google Shape;151;p18"/>
+          <p:cNvPr descr="A close up of a logo&#10;&#10;Description automatically generated" id="152" name="Google Shape;152;p18"/>
           <p:cNvPicPr preferRelativeResize="0"/>
           <p:nvPr/>
         </p:nvPicPr>
@@ -34051,7 +34575,7 @@
       </p:pic>
       <p:sp>
         <p:nvSpPr>
-          <p:cNvPr id="152" name="Google Shape;152;p18"/>
+          <p:cNvPr id="153" name="Google Shape;153;p18"/>
           <p:cNvSpPr txBox="1"/>
           <p:nvPr/>
         </p:nvSpPr>
@@ -34105,7 +34629,7 @@
       </p:sp>
       <p:sp>
         <p:nvSpPr>
-          <p:cNvPr id="153" name="Google Shape;153;p18"/>
+          <p:cNvPr id="154" name="Google Shape;154;p18"/>
           <p:cNvSpPr txBox="1"/>
           <p:nvPr/>
         </p:nvSpPr>
@@ -34169,7 +34693,7 @@
   <p:cSld>
     <p:spTree>
       <p:nvGrpSpPr>
-        <p:cNvPr id="157" name="Shape 157"/>
+        <p:cNvPr id="158" name="Shape 158"/>
         <p:cNvGrpSpPr/>
         <p:nvPr/>
       </p:nvGrpSpPr>
@@ -34183,7 +34707,7 @@
       </p:grpSpPr>
       <p:sp>
         <p:nvSpPr>
-          <p:cNvPr id="158" name="Google Shape;158;p19"/>
+          <p:cNvPr id="159" name="Google Shape;159;p19"/>
           <p:cNvSpPr/>
           <p:nvPr/>
         </p:nvSpPr>
@@ -34242,14 +34766,14 @@
       </p:sp>
       <p:sp>
         <p:nvSpPr>
-          <p:cNvPr id="159" name="Google Shape;159;p19"/>
+          <p:cNvPr id="160" name="Google Shape;160;p19"/>
           <p:cNvSpPr txBox="1"/>
           <p:nvPr/>
         </p:nvSpPr>
         <p:spPr>
           <a:xfrm>
             <a:off x="8619565" y="6524381"/>
-            <a:ext cx="3189300" cy="230700"/>
+            <a:ext cx="3189300" cy="369300"/>
           </a:xfrm>
           <a:prstGeom prst="rect">
             <a:avLst/>
@@ -34265,6 +34789,34 @@
           </a:bodyPr>
           <a:lstStyle/>
           <a:p>
+            <a:pPr indent="0" lvl="0" marL="0" rtl="0" algn="r">
+              <a:spcBef>
+                <a:spcPts val="0"/>
+              </a:spcBef>
+              <a:spcAft>
+                <a:spcPts val="0"/>
+              </a:spcAft>
+              <a:buClr>
+                <a:schemeClr val="dk1"/>
+              </a:buClr>
+              <a:buFont typeface="Arial"/>
+              <a:buNone/>
+            </a:pPr>
+            <a:r>
+              <a:rPr lang="en-US" sz="900">
+                <a:solidFill>
+                  <a:schemeClr val="lt1"/>
+                </a:solidFill>
+              </a:rPr>
+              <a:t>Contributor: Noam Yan</a:t>
+            </a:r>
+            <a:endParaRPr>
+              <a:solidFill>
+                <a:schemeClr val="dk1"/>
+              </a:solidFill>
+            </a:endParaRPr>
+          </a:p>
+          <a:p>
             <a:pPr indent="0" lvl="0" marL="0" marR="0" rtl="0" algn="r">
               <a:lnSpc>
                 <a:spcPct val="100000"/>
@@ -34278,24 +34830,19 @@
               <a:buNone/>
             </a:pPr>
             <a:r>
-              <a:rPr b="0" i="0" lang="en-US" sz="900" u="none" cap="none" strike="noStrike">
-                <a:solidFill>
-                  <a:schemeClr val="lt1"/>
-                </a:solidFill>
-                <a:latin typeface="Arial"/>
-                <a:ea typeface="Arial"/>
-                <a:cs typeface="Arial"/>
-                <a:sym typeface="Arial"/>
-              </a:rPr>
-              <a:t>XU YAN, YUNQIAN BAO, ZHICONG FAN</a:t>
-            </a:r>
-            <a:endParaRPr/>
+              <a:t/>
+            </a:r>
+            <a:endParaRPr sz="900">
+              <a:solidFill>
+                <a:schemeClr val="lt1"/>
+              </a:solidFill>
+            </a:endParaRPr>
           </a:p>
         </p:txBody>
       </p:sp>
       <p:sp>
         <p:nvSpPr>
-          <p:cNvPr id="160" name="Google Shape;160;p19"/>
+          <p:cNvPr id="161" name="Google Shape;161;p19"/>
           <p:cNvSpPr/>
           <p:nvPr/>
         </p:nvSpPr>
@@ -34354,7 +34901,7 @@
       </p:sp>
       <p:pic>
         <p:nvPicPr>
-          <p:cNvPr descr="A close up of a logo&#10;&#10;Description automatically generated" id="161" name="Google Shape;161;p19"/>
+          <p:cNvPr descr="A close up of a logo&#10;&#10;Description automatically generated" id="162" name="Google Shape;162;p19"/>
           <p:cNvPicPr preferRelativeResize="0"/>
           <p:nvPr/>
         </p:nvPicPr>
@@ -34381,7 +34928,7 @@
       </p:pic>
       <p:sp>
         <p:nvSpPr>
-          <p:cNvPr id="162" name="Google Shape;162;p19"/>
+          <p:cNvPr id="163" name="Google Shape;163;p19"/>
           <p:cNvSpPr txBox="1"/>
           <p:nvPr/>
         </p:nvSpPr>
@@ -34435,7 +34982,7 @@
       </p:sp>
       <p:sp>
         <p:nvSpPr>
-          <p:cNvPr id="163" name="Google Shape;163;p19"/>
+          <p:cNvPr id="164" name="Google Shape;164;p19"/>
           <p:cNvSpPr txBox="1"/>
           <p:nvPr/>
         </p:nvSpPr>
@@ -34488,7 +35035,7 @@
       </p:sp>
       <p:sp>
         <p:nvSpPr>
-          <p:cNvPr id="164" name="Google Shape;164;p19"/>
+          <p:cNvPr id="165" name="Google Shape;165;p19"/>
           <p:cNvSpPr txBox="1"/>
           <p:nvPr>
             <p:ph idx="1" type="body"/>
@@ -34819,7 +35366,7 @@
       </p:sp>
       <p:sp>
         <p:nvSpPr>
-          <p:cNvPr id="165" name="Google Shape;165;p19"/>
+          <p:cNvPr id="166" name="Google Shape;166;p19"/>
           <p:cNvSpPr txBox="1"/>
           <p:nvPr/>
         </p:nvSpPr>
@@ -35143,7 +35690,7 @@
   <p:cSld>
     <p:spTree>
       <p:nvGrpSpPr>
-        <p:cNvPr id="169" name="Shape 169"/>
+        <p:cNvPr id="170" name="Shape 170"/>
         <p:cNvGrpSpPr/>
         <p:nvPr/>
       </p:nvGrpSpPr>
@@ -35157,7 +35704,7 @@
       </p:grpSpPr>
       <p:sp>
         <p:nvSpPr>
-          <p:cNvPr id="170" name="Google Shape;170;p20"/>
+          <p:cNvPr id="171" name="Google Shape;171;p20"/>
           <p:cNvSpPr/>
           <p:nvPr/>
         </p:nvSpPr>
@@ -35216,7 +35763,7 @@
       </p:sp>
       <p:pic>
         <p:nvPicPr>
-          <p:cNvPr descr="A picture containing building, street&#10;&#10;Description automatically generated" id="171" name="Google Shape;171;p20"/>
+          <p:cNvPr descr="A picture containing building, street&#10;&#10;Description automatically generated" id="172" name="Google Shape;172;p20"/>
           <p:cNvPicPr preferRelativeResize="0"/>
           <p:nvPr/>
         </p:nvPicPr>
@@ -35243,7 +35790,7 @@
       </p:pic>
       <p:pic>
         <p:nvPicPr>
-          <p:cNvPr descr="A close up of a logo&#10;&#10;Description automatically generated" id="172" name="Google Shape;172;p20"/>
+          <p:cNvPr descr="A close up of a logo&#10;&#10;Description automatically generated" id="173" name="Google Shape;173;p20"/>
           <p:cNvPicPr preferRelativeResize="0"/>
           <p:nvPr/>
         </p:nvPicPr>
@@ -35270,7 +35817,7 @@
       </p:pic>
       <p:sp>
         <p:nvSpPr>
-          <p:cNvPr id="173" name="Google Shape;173;p20"/>
+          <p:cNvPr id="174" name="Google Shape;174;p20"/>
           <p:cNvSpPr txBox="1"/>
           <p:nvPr/>
         </p:nvSpPr>
@@ -35358,7 +35905,7 @@
       </p:sp>
       <p:sp>
         <p:nvSpPr>
-          <p:cNvPr id="174" name="Google Shape;174;p20"/>
+          <p:cNvPr id="175" name="Google Shape;175;p20"/>
           <p:cNvSpPr/>
           <p:nvPr/>
         </p:nvSpPr>
@@ -35417,7 +35964,7 @@
       </p:sp>
       <p:sp>
         <p:nvSpPr>
-          <p:cNvPr id="175" name="Google Shape;175;p20"/>
+          <p:cNvPr id="176" name="Google Shape;176;p20"/>
           <p:cNvSpPr txBox="1"/>
           <p:nvPr/>
         </p:nvSpPr>
@@ -35470,7 +36017,7 @@
       </p:sp>
       <p:sp>
         <p:nvSpPr>
-          <p:cNvPr id="176" name="Google Shape;176;p20"/>
+          <p:cNvPr id="177" name="Google Shape;177;p20"/>
           <p:cNvSpPr txBox="1"/>
           <p:nvPr/>
         </p:nvSpPr>
